--- a/docs/中期答辩.pptx
+++ b/docs/中期答辩.pptx
@@ -7,7 +7,9 @@
   <p:sldIdLst>
     <p:sldId id="256" r:id="rId2"/>
     <p:sldId id="257" r:id="rId3"/>
-    <p:sldId id="258" r:id="rId4"/>
+    <p:sldId id="259" r:id="rId4"/>
+    <p:sldId id="260" r:id="rId5"/>
+    <p:sldId id="258" r:id="rId6"/>
   </p:sldIdLst>
   <p:sldSz cx="12192000" cy="6858000"/>
   <p:notesSz cx="6858000" cy="9144000"/>
@@ -106,6 +108,11 @@
       </a:defRPr>
     </a:lvl9pPr>
   </p:defaultTextStyle>
+  <p:extLst>
+    <p:ext uri="{EFAFB233-063F-42B5-8137-9DF3F51BA10A}">
+      <p15:sldGuideLst xmlns:p15="http://schemas.microsoft.com/office/powerpoint/2012/main"/>
+    </p:ext>
+  </p:extLst>
 </p:presentation>
 </file>
 
@@ -159,7 +166,7 @@
           <a:noFill/>
           <a:extLst>
             <a:ext uri="{909E8E84-426E-40dd-AFC4-6F175D3DCCD1}">
-              <a14:hiddenFill xmlns:a14="http://schemas.microsoft.com/office/drawing/2010/main" xmlns="">
+              <a14:hiddenFill xmlns="" xmlns:a14="http://schemas.microsoft.com/office/drawing/2010/main">
                 <a:solidFill>
                   <a:srgbClr val="FFFFFF"/>
                 </a:solidFill>
@@ -219,7 +226,7 @@
             </a:ln>
             <a:extLst>
               <a:ext uri="{91240B29-F687-4f45-9708-019B960494DF}">
-                <a14:hiddenLine xmlns:a14="http://schemas.microsoft.com/office/drawing/2010/main" xmlns="" w="9525">
+                <a14:hiddenLine xmlns="" xmlns:a14="http://schemas.microsoft.com/office/drawing/2010/main" w="9525">
                   <a:solidFill>
                     <a:srgbClr val="000000"/>
                   </a:solidFill>
@@ -309,7 +316,7 @@
             </a:ln>
             <a:extLst>
               <a:ext uri="{91240B29-F687-4f45-9708-019B960494DF}">
-                <a14:hiddenLine xmlns:a14="http://schemas.microsoft.com/office/drawing/2010/main" xmlns="" w="9525">
+                <a14:hiddenLine xmlns="" xmlns:a14="http://schemas.microsoft.com/office/drawing/2010/main" w="9525">
                   <a:solidFill>
                     <a:srgbClr val="000000"/>
                   </a:solidFill>
@@ -399,7 +406,7 @@
             </a:ln>
             <a:extLst>
               <a:ext uri="{91240B29-F687-4f45-9708-019B960494DF}">
-                <a14:hiddenLine xmlns:a14="http://schemas.microsoft.com/office/drawing/2010/main" xmlns="" w="9525">
+                <a14:hiddenLine xmlns="" xmlns:a14="http://schemas.microsoft.com/office/drawing/2010/main" w="9525">
                   <a:solidFill>
                     <a:srgbClr val="000000"/>
                   </a:solidFill>
@@ -433,7 +440,7 @@
             </a:ln>
             <a:extLst>
               <a:ext uri="{91240B29-F687-4f45-9708-019B960494DF}">
-                <a14:hiddenLine xmlns:a14="http://schemas.microsoft.com/office/drawing/2010/main" xmlns="" w="9525">
+                <a14:hiddenLine xmlns="" xmlns:a14="http://schemas.microsoft.com/office/drawing/2010/main" w="9525">
                   <a:solidFill>
                     <a:srgbClr val="000000"/>
                   </a:solidFill>
@@ -523,7 +530,7 @@
             </a:ln>
             <a:extLst>
               <a:ext uri="{91240B29-F687-4f45-9708-019B960494DF}">
-                <a14:hiddenLine xmlns:a14="http://schemas.microsoft.com/office/drawing/2010/main" xmlns="" w="9525">
+                <a14:hiddenLine xmlns="" xmlns:a14="http://schemas.microsoft.com/office/drawing/2010/main" w="9525">
                   <a:solidFill>
                     <a:srgbClr val="000000"/>
                   </a:solidFill>
@@ -585,7 +592,7 @@
             </a:ln>
             <a:extLst>
               <a:ext uri="{91240B29-F687-4f45-9708-019B960494DF}">
-                <a14:hiddenLine xmlns:a14="http://schemas.microsoft.com/office/drawing/2010/main" xmlns="" w="9525">
+                <a14:hiddenLine xmlns="" xmlns:a14="http://schemas.microsoft.com/office/drawing/2010/main" w="9525">
                   <a:solidFill>
                     <a:srgbClr val="000000"/>
                   </a:solidFill>
@@ -647,7 +654,7 @@
             </a:ln>
             <a:extLst>
               <a:ext uri="{91240B29-F687-4f45-9708-019B960494DF}">
-                <a14:hiddenLine xmlns:a14="http://schemas.microsoft.com/office/drawing/2010/main" xmlns="" w="9525">
+                <a14:hiddenLine xmlns="" xmlns:a14="http://schemas.microsoft.com/office/drawing/2010/main" w="9525">
                   <a:solidFill>
                     <a:srgbClr val="000000"/>
                   </a:solidFill>
@@ -737,7 +744,7 @@
             </a:ln>
             <a:extLst>
               <a:ext uri="{91240B29-F687-4f45-9708-019B960494DF}">
-                <a14:hiddenLine xmlns:a14="http://schemas.microsoft.com/office/drawing/2010/main" xmlns="" w="9525">
+                <a14:hiddenLine xmlns="" xmlns:a14="http://schemas.microsoft.com/office/drawing/2010/main" w="9525">
                   <a:solidFill>
                     <a:srgbClr val="000000"/>
                   </a:solidFill>
@@ -799,7 +806,7 @@
             </a:ln>
             <a:extLst>
               <a:ext uri="{91240B29-F687-4f45-9708-019B960494DF}">
-                <a14:hiddenLine xmlns:a14="http://schemas.microsoft.com/office/drawing/2010/main" xmlns="" w="9525">
+                <a14:hiddenLine xmlns="" xmlns:a14="http://schemas.microsoft.com/office/drawing/2010/main" w="9525">
                   <a:solidFill>
                     <a:srgbClr val="000000"/>
                   </a:solidFill>
@@ -861,7 +868,7 @@
             </a:ln>
             <a:extLst>
               <a:ext uri="{91240B29-F687-4f45-9708-019B960494DF}">
-                <a14:hiddenLine xmlns:a14="http://schemas.microsoft.com/office/drawing/2010/main" xmlns="" w="9525">
+                <a14:hiddenLine xmlns="" xmlns:a14="http://schemas.microsoft.com/office/drawing/2010/main" w="9525">
                   <a:solidFill>
                     <a:srgbClr val="000000"/>
                   </a:solidFill>
@@ -951,7 +958,7 @@
             </a:ln>
             <a:extLst>
               <a:ext uri="{91240B29-F687-4f45-9708-019B960494DF}">
-                <a14:hiddenLine xmlns:a14="http://schemas.microsoft.com/office/drawing/2010/main" xmlns="" w="9525">
+                <a14:hiddenLine xmlns="" xmlns:a14="http://schemas.microsoft.com/office/drawing/2010/main" w="9525">
                   <a:solidFill>
                     <a:srgbClr val="000000"/>
                   </a:solidFill>
@@ -1041,7 +1048,7 @@
             </a:ln>
             <a:extLst>
               <a:ext uri="{91240B29-F687-4f45-9708-019B960494DF}">
-                <a14:hiddenLine xmlns:a14="http://schemas.microsoft.com/office/drawing/2010/main" xmlns="" w="9525">
+                <a14:hiddenLine xmlns="" xmlns:a14="http://schemas.microsoft.com/office/drawing/2010/main" w="9525">
                   <a:solidFill>
                     <a:srgbClr val="000000"/>
                   </a:solidFill>
@@ -1103,7 +1110,7 @@
             </a:ln>
             <a:extLst>
               <a:ext uri="{91240B29-F687-4f45-9708-019B960494DF}">
-                <a14:hiddenLine xmlns:a14="http://schemas.microsoft.com/office/drawing/2010/main" xmlns="" w="9525">
+                <a14:hiddenLine xmlns="" xmlns:a14="http://schemas.microsoft.com/office/drawing/2010/main" w="9525">
                   <a:solidFill>
                     <a:srgbClr val="000000"/>
                   </a:solidFill>
@@ -1213,7 +1220,7 @@
             </a:ln>
             <a:extLst>
               <a:ext uri="{91240B29-F687-4f45-9708-019B960494DF}">
-                <a14:hiddenLine xmlns:a14="http://schemas.microsoft.com/office/drawing/2010/main" xmlns="" w="9525">
+                <a14:hiddenLine xmlns="" xmlns:a14="http://schemas.microsoft.com/office/drawing/2010/main" w="9525">
                   <a:solidFill>
                     <a:srgbClr val="000000"/>
                   </a:solidFill>
@@ -1275,7 +1282,7 @@
             </a:ln>
             <a:extLst>
               <a:ext uri="{91240B29-F687-4f45-9708-019B960494DF}">
-                <a14:hiddenLine xmlns:a14="http://schemas.microsoft.com/office/drawing/2010/main" xmlns="" w="9525">
+                <a14:hiddenLine xmlns="" xmlns:a14="http://schemas.microsoft.com/office/drawing/2010/main" w="9525">
                   <a:solidFill>
                     <a:srgbClr val="000000"/>
                   </a:solidFill>
@@ -1365,7 +1372,7 @@
             </a:ln>
             <a:extLst>
               <a:ext uri="{91240B29-F687-4f45-9708-019B960494DF}">
-                <a14:hiddenLine xmlns:a14="http://schemas.microsoft.com/office/drawing/2010/main" xmlns="" w="9525">
+                <a14:hiddenLine xmlns="" xmlns:a14="http://schemas.microsoft.com/office/drawing/2010/main" w="9525">
                   <a:solidFill>
                     <a:srgbClr val="000000"/>
                   </a:solidFill>
@@ -1455,7 +1462,7 @@
             </a:ln>
             <a:extLst>
               <a:ext uri="{91240B29-F687-4f45-9708-019B960494DF}">
-                <a14:hiddenLine xmlns:a14="http://schemas.microsoft.com/office/drawing/2010/main" xmlns="" w="9525">
+                <a14:hiddenLine xmlns="" xmlns:a14="http://schemas.microsoft.com/office/drawing/2010/main" w="9525">
                   <a:solidFill>
                     <a:srgbClr val="000000"/>
                   </a:solidFill>
@@ -1517,7 +1524,7 @@
             </a:ln>
             <a:extLst>
               <a:ext uri="{91240B29-F687-4f45-9708-019B960494DF}">
-                <a14:hiddenLine xmlns:a14="http://schemas.microsoft.com/office/drawing/2010/main" xmlns="" w="9525">
+                <a14:hiddenLine xmlns="" xmlns:a14="http://schemas.microsoft.com/office/drawing/2010/main" w="9525">
                   <a:solidFill>
                     <a:srgbClr val="000000"/>
                   </a:solidFill>
@@ -1607,7 +1614,7 @@
             </a:ln>
             <a:extLst>
               <a:ext uri="{91240B29-F687-4f45-9708-019B960494DF}">
-                <a14:hiddenLine xmlns:a14="http://schemas.microsoft.com/office/drawing/2010/main" xmlns="" w="9525">
+                <a14:hiddenLine xmlns="" xmlns:a14="http://schemas.microsoft.com/office/drawing/2010/main" w="9525">
                   <a:solidFill>
                     <a:srgbClr val="000000"/>
                   </a:solidFill>
@@ -1697,7 +1704,7 @@
             </a:ln>
             <a:extLst>
               <a:ext uri="{91240B29-F687-4f45-9708-019B960494DF}">
-                <a14:hiddenLine xmlns:a14="http://schemas.microsoft.com/office/drawing/2010/main" xmlns="" w="9525">
+                <a14:hiddenLine xmlns="" xmlns:a14="http://schemas.microsoft.com/office/drawing/2010/main" w="9525">
                   <a:solidFill>
                     <a:srgbClr val="000000"/>
                   </a:solidFill>
@@ -1753,7 +1760,7 @@
             </a:ln>
             <a:extLst>
               <a:ext uri="{91240B29-F687-4f45-9708-019B960494DF}">
-                <a14:hiddenLine xmlns:a14="http://schemas.microsoft.com/office/drawing/2010/main" xmlns="" w="9525">
+                <a14:hiddenLine xmlns="" xmlns:a14="http://schemas.microsoft.com/office/drawing/2010/main" w="9525">
                   <a:solidFill>
                     <a:srgbClr val="000000"/>
                   </a:solidFill>
@@ -1843,7 +1850,7 @@
             </a:ln>
             <a:extLst>
               <a:ext uri="{91240B29-F687-4f45-9708-019B960494DF}">
-                <a14:hiddenLine xmlns:a14="http://schemas.microsoft.com/office/drawing/2010/main" xmlns="" w="9525">
+                <a14:hiddenLine xmlns="" xmlns:a14="http://schemas.microsoft.com/office/drawing/2010/main" w="9525">
                   <a:solidFill>
                     <a:srgbClr val="000000"/>
                   </a:solidFill>
@@ -1899,7 +1906,7 @@
             </a:ln>
             <a:extLst>
               <a:ext uri="{91240B29-F687-4f45-9708-019B960494DF}">
-                <a14:hiddenLine xmlns:a14="http://schemas.microsoft.com/office/drawing/2010/main" xmlns="" w="9525">
+                <a14:hiddenLine xmlns="" xmlns:a14="http://schemas.microsoft.com/office/drawing/2010/main" w="9525">
                   <a:solidFill>
                     <a:srgbClr val="000000"/>
                   </a:solidFill>
@@ -1989,7 +1996,7 @@
             </a:ln>
             <a:extLst>
               <a:ext uri="{91240B29-F687-4f45-9708-019B960494DF}">
-                <a14:hiddenLine xmlns:a14="http://schemas.microsoft.com/office/drawing/2010/main" xmlns="" w="9525">
+                <a14:hiddenLine xmlns="" xmlns:a14="http://schemas.microsoft.com/office/drawing/2010/main" w="9525">
                   <a:solidFill>
                     <a:srgbClr val="000000"/>
                   </a:solidFill>
@@ -2057,7 +2064,7 @@
             </a:ln>
             <a:extLst>
               <a:ext uri="{91240B29-F687-4f45-9708-019B960494DF}">
-                <a14:hiddenLine xmlns:a14="http://schemas.microsoft.com/office/drawing/2010/main" xmlns="" w="9525">
+                <a14:hiddenLine xmlns="" xmlns:a14="http://schemas.microsoft.com/office/drawing/2010/main" w="9525">
                   <a:solidFill>
                     <a:srgbClr val="000000"/>
                   </a:solidFill>
@@ -2147,7 +2154,7 @@
             </a:ln>
             <a:extLst>
               <a:ext uri="{91240B29-F687-4f45-9708-019B960494DF}">
-                <a14:hiddenLine xmlns:a14="http://schemas.microsoft.com/office/drawing/2010/main" xmlns="" w="9525">
+                <a14:hiddenLine xmlns="" xmlns:a14="http://schemas.microsoft.com/office/drawing/2010/main" w="9525">
                   <a:solidFill>
                     <a:srgbClr val="000000"/>
                   </a:solidFill>
@@ -2215,7 +2222,7 @@
             </a:ln>
             <a:extLst>
               <a:ext uri="{91240B29-F687-4f45-9708-019B960494DF}">
-                <a14:hiddenLine xmlns:a14="http://schemas.microsoft.com/office/drawing/2010/main" xmlns="" w="9525">
+                <a14:hiddenLine xmlns="" xmlns:a14="http://schemas.microsoft.com/office/drawing/2010/main" w="9525">
                   <a:solidFill>
                     <a:srgbClr val="000000"/>
                   </a:solidFill>
@@ -2305,7 +2312,7 @@
             </a:ln>
             <a:extLst>
               <a:ext uri="{91240B29-F687-4f45-9708-019B960494DF}">
-                <a14:hiddenLine xmlns:a14="http://schemas.microsoft.com/office/drawing/2010/main" xmlns="" w="9525">
+                <a14:hiddenLine xmlns="" xmlns:a14="http://schemas.microsoft.com/office/drawing/2010/main" w="9525">
                   <a:solidFill>
                     <a:srgbClr val="000000"/>
                   </a:solidFill>
@@ -2339,7 +2346,7 @@
             </a:ln>
             <a:extLst>
               <a:ext uri="{91240B29-F687-4f45-9708-019B960494DF}">
-                <a14:hiddenLine xmlns:a14="http://schemas.microsoft.com/office/drawing/2010/main" xmlns="" w="9525">
+                <a14:hiddenLine xmlns="" xmlns:a14="http://schemas.microsoft.com/office/drawing/2010/main" w="9525">
                   <a:solidFill>
                     <a:srgbClr val="000000"/>
                   </a:solidFill>
@@ -2429,7 +2436,7 @@
             </a:ln>
             <a:extLst>
               <a:ext uri="{91240B29-F687-4f45-9708-019B960494DF}">
-                <a14:hiddenLine xmlns:a14="http://schemas.microsoft.com/office/drawing/2010/main" xmlns="" w="9525">
+                <a14:hiddenLine xmlns="" xmlns:a14="http://schemas.microsoft.com/office/drawing/2010/main" w="9525">
                   <a:solidFill>
                     <a:srgbClr val="000000"/>
                   </a:solidFill>
@@ -2491,7 +2498,7 @@
             </a:ln>
             <a:extLst>
               <a:ext uri="{91240B29-F687-4f45-9708-019B960494DF}">
-                <a14:hiddenLine xmlns:a14="http://schemas.microsoft.com/office/drawing/2010/main" xmlns="" w="9525">
+                <a14:hiddenLine xmlns="" xmlns:a14="http://schemas.microsoft.com/office/drawing/2010/main" w="9525">
                   <a:solidFill>
                     <a:srgbClr val="000000"/>
                   </a:solidFill>
@@ -2553,7 +2560,7 @@
             </a:ln>
             <a:extLst>
               <a:ext uri="{91240B29-F687-4f45-9708-019B960494DF}">
-                <a14:hiddenLine xmlns:a14="http://schemas.microsoft.com/office/drawing/2010/main" xmlns="" w="9525">
+                <a14:hiddenLine xmlns="" xmlns:a14="http://schemas.microsoft.com/office/drawing/2010/main" w="9525">
                   <a:solidFill>
                     <a:srgbClr val="000000"/>
                   </a:solidFill>
@@ -2643,7 +2650,7 @@
             </a:ln>
             <a:extLst>
               <a:ext uri="{91240B29-F687-4f45-9708-019B960494DF}">
-                <a14:hiddenLine xmlns:a14="http://schemas.microsoft.com/office/drawing/2010/main" xmlns="" w="9525">
+                <a14:hiddenLine xmlns="" xmlns:a14="http://schemas.microsoft.com/office/drawing/2010/main" w="9525">
                   <a:solidFill>
                     <a:srgbClr val="000000"/>
                   </a:solidFill>
@@ -2711,7 +2718,7 @@
             </a:ln>
             <a:extLst>
               <a:ext uri="{91240B29-F687-4f45-9708-019B960494DF}">
-                <a14:hiddenLine xmlns:a14="http://schemas.microsoft.com/office/drawing/2010/main" xmlns="" w="9525">
+                <a14:hiddenLine xmlns="" xmlns:a14="http://schemas.microsoft.com/office/drawing/2010/main" w="9525">
                   <a:solidFill>
                     <a:srgbClr val="000000"/>
                   </a:solidFill>
@@ -2773,7 +2780,7 @@
             </a:ln>
             <a:extLst>
               <a:ext uri="{91240B29-F687-4f45-9708-019B960494DF}">
-                <a14:hiddenLine xmlns:a14="http://schemas.microsoft.com/office/drawing/2010/main" xmlns="" w="9525">
+                <a14:hiddenLine xmlns="" xmlns:a14="http://schemas.microsoft.com/office/drawing/2010/main" w="9525">
                   <a:solidFill>
                     <a:srgbClr val="000000"/>
                   </a:solidFill>
@@ -2863,7 +2870,7 @@
             </a:ln>
             <a:extLst>
               <a:ext uri="{91240B29-F687-4f45-9708-019B960494DF}">
-                <a14:hiddenLine xmlns:a14="http://schemas.microsoft.com/office/drawing/2010/main" xmlns="" w="9525">
+                <a14:hiddenLine xmlns="" xmlns:a14="http://schemas.microsoft.com/office/drawing/2010/main" w="9525">
                   <a:solidFill>
                     <a:srgbClr val="000000"/>
                   </a:solidFill>
@@ -2925,7 +2932,7 @@
             </a:ln>
             <a:extLst>
               <a:ext uri="{91240B29-F687-4f45-9708-019B960494DF}">
-                <a14:hiddenLine xmlns:a14="http://schemas.microsoft.com/office/drawing/2010/main" xmlns="" w="9525">
+                <a14:hiddenLine xmlns="" xmlns:a14="http://schemas.microsoft.com/office/drawing/2010/main" w="9525">
                   <a:solidFill>
                     <a:srgbClr val="000000"/>
                   </a:solidFill>
@@ -3015,7 +3022,7 @@
             </a:ln>
             <a:extLst>
               <a:ext uri="{91240B29-F687-4f45-9708-019B960494DF}">
-                <a14:hiddenLine xmlns:a14="http://schemas.microsoft.com/office/drawing/2010/main" xmlns="" w="9525">
+                <a14:hiddenLine xmlns="" xmlns:a14="http://schemas.microsoft.com/office/drawing/2010/main" w="9525">
                   <a:solidFill>
                     <a:srgbClr val="000000"/>
                   </a:solidFill>
@@ -3077,7 +3084,7 @@
             </a:ln>
             <a:extLst>
               <a:ext uri="{91240B29-F687-4f45-9708-019B960494DF}">
-                <a14:hiddenLine xmlns:a14="http://schemas.microsoft.com/office/drawing/2010/main" xmlns="" w="9525">
+                <a14:hiddenLine xmlns="" xmlns:a14="http://schemas.microsoft.com/office/drawing/2010/main" w="9525">
                   <a:solidFill>
                     <a:srgbClr val="000000"/>
                   </a:solidFill>
@@ -3167,7 +3174,7 @@
             </a:ln>
             <a:extLst>
               <a:ext uri="{91240B29-F687-4f45-9708-019B960494DF}">
-                <a14:hiddenLine xmlns:a14="http://schemas.microsoft.com/office/drawing/2010/main" xmlns="" w="9525">
+                <a14:hiddenLine xmlns="" xmlns:a14="http://schemas.microsoft.com/office/drawing/2010/main" w="9525">
                   <a:solidFill>
                     <a:srgbClr val="000000"/>
                   </a:solidFill>
@@ -3201,7 +3208,7 @@
             </a:ln>
             <a:extLst>
               <a:ext uri="{91240B29-F687-4f45-9708-019B960494DF}">
-                <a14:hiddenLine xmlns:a14="http://schemas.microsoft.com/office/drawing/2010/main" xmlns="" w="9525">
+                <a14:hiddenLine xmlns="" xmlns:a14="http://schemas.microsoft.com/office/drawing/2010/main" w="9525">
                   <a:solidFill>
                     <a:srgbClr val="000000"/>
                   </a:solidFill>
@@ -3266,7 +3273,7 @@
             </a:ln>
             <a:extLst>
               <a:ext uri="{91240B29-F687-4f45-9708-019B960494DF}">
-                <a14:hiddenLine xmlns:a14="http://schemas.microsoft.com/office/drawing/2010/main" xmlns="" w="9525">
+                <a14:hiddenLine xmlns="" xmlns:a14="http://schemas.microsoft.com/office/drawing/2010/main" w="9525">
                   <a:solidFill>
                     <a:srgbClr val="000000"/>
                   </a:solidFill>
@@ -3356,7 +3363,7 @@
             </a:ln>
             <a:extLst>
               <a:ext uri="{91240B29-F687-4f45-9708-019B960494DF}">
-                <a14:hiddenLine xmlns:a14="http://schemas.microsoft.com/office/drawing/2010/main" xmlns="" w="9525">
+                <a14:hiddenLine xmlns="" xmlns:a14="http://schemas.microsoft.com/office/drawing/2010/main" w="9525">
                   <a:solidFill>
                     <a:srgbClr val="000000"/>
                   </a:solidFill>
@@ -3418,7 +3425,7 @@
             </a:ln>
             <a:extLst>
               <a:ext uri="{91240B29-F687-4f45-9708-019B960494DF}">
-                <a14:hiddenLine xmlns:a14="http://schemas.microsoft.com/office/drawing/2010/main" xmlns="" w="9525">
+                <a14:hiddenLine xmlns="" xmlns:a14="http://schemas.microsoft.com/office/drawing/2010/main" w="9525">
                   <a:solidFill>
                     <a:srgbClr val="000000"/>
                   </a:solidFill>
@@ -3508,7 +3515,7 @@
             </a:ln>
             <a:extLst>
               <a:ext uri="{91240B29-F687-4f45-9708-019B960494DF}">
-                <a14:hiddenLine xmlns:a14="http://schemas.microsoft.com/office/drawing/2010/main" xmlns="" w="9525">
+                <a14:hiddenLine xmlns="" xmlns:a14="http://schemas.microsoft.com/office/drawing/2010/main" w="9525">
                   <a:solidFill>
                     <a:srgbClr val="000000"/>
                   </a:solidFill>
@@ -3598,7 +3605,7 @@
             </a:ln>
             <a:extLst>
               <a:ext uri="{91240B29-F687-4f45-9708-019B960494DF}">
-                <a14:hiddenLine xmlns:a14="http://schemas.microsoft.com/office/drawing/2010/main" xmlns="" w="9525">
+                <a14:hiddenLine xmlns="" xmlns:a14="http://schemas.microsoft.com/office/drawing/2010/main" w="9525">
                   <a:solidFill>
                     <a:srgbClr val="000000"/>
                   </a:solidFill>
@@ -3663,7 +3670,7 @@
             </a:ln>
             <a:extLst>
               <a:ext uri="{91240B29-F687-4f45-9708-019B960494DF}">
-                <a14:hiddenLine xmlns:a14="http://schemas.microsoft.com/office/drawing/2010/main" xmlns="" w="9525">
+                <a14:hiddenLine xmlns="" xmlns:a14="http://schemas.microsoft.com/office/drawing/2010/main" w="9525">
                   <a:solidFill>
                     <a:srgbClr val="000000"/>
                   </a:solidFill>
@@ -3725,7 +3732,7 @@
             </a:ln>
             <a:extLst>
               <a:ext uri="{91240B29-F687-4f45-9708-019B960494DF}">
-                <a14:hiddenLine xmlns:a14="http://schemas.microsoft.com/office/drawing/2010/main" xmlns="" w="9525">
+                <a14:hiddenLine xmlns="" xmlns:a14="http://schemas.microsoft.com/office/drawing/2010/main" w="9525">
                   <a:solidFill>
                     <a:srgbClr val="000000"/>
                   </a:solidFill>
@@ -3815,7 +3822,7 @@
             </a:ln>
             <a:extLst>
               <a:ext uri="{91240B29-F687-4f45-9708-019B960494DF}">
-                <a14:hiddenLine xmlns:a14="http://schemas.microsoft.com/office/drawing/2010/main" xmlns="" w="9525">
+                <a14:hiddenLine xmlns="" xmlns:a14="http://schemas.microsoft.com/office/drawing/2010/main" w="9525">
                   <a:solidFill>
                     <a:srgbClr val="000000"/>
                   </a:solidFill>
@@ -3905,7 +3912,7 @@
             </a:ln>
             <a:extLst>
               <a:ext uri="{91240B29-F687-4f45-9708-019B960494DF}">
-                <a14:hiddenLine xmlns:a14="http://schemas.microsoft.com/office/drawing/2010/main" xmlns="" w="9525">
+                <a14:hiddenLine xmlns="" xmlns:a14="http://schemas.microsoft.com/office/drawing/2010/main" w="9525">
                   <a:solidFill>
                     <a:srgbClr val="000000"/>
                   </a:solidFill>
@@ -3967,7 +3974,7 @@
             </a:ln>
             <a:extLst>
               <a:ext uri="{91240B29-F687-4f45-9708-019B960494DF}">
-                <a14:hiddenLine xmlns:a14="http://schemas.microsoft.com/office/drawing/2010/main" xmlns="" w="9525">
+                <a14:hiddenLine xmlns="" xmlns:a14="http://schemas.microsoft.com/office/drawing/2010/main" w="9525">
                   <a:solidFill>
                     <a:srgbClr val="000000"/>
                   </a:solidFill>
@@ -4087,7 +4094,7 @@
             </a:ln>
             <a:extLst>
               <a:ext uri="{91240B29-F687-4f45-9708-019B960494DF}">
-                <a14:hiddenLine xmlns:a14="http://schemas.microsoft.com/office/drawing/2010/main" xmlns="" w="9525">
+                <a14:hiddenLine xmlns="" xmlns:a14="http://schemas.microsoft.com/office/drawing/2010/main" w="9525">
                   <a:solidFill>
                     <a:srgbClr val="000000"/>
                   </a:solidFill>
@@ -4155,7 +4162,7 @@
             </a:ln>
             <a:extLst>
               <a:ext uri="{91240B29-F687-4f45-9708-019B960494DF}">
-                <a14:hiddenLine xmlns:a14="http://schemas.microsoft.com/office/drawing/2010/main" xmlns="" w="9525">
+                <a14:hiddenLine xmlns="" xmlns:a14="http://schemas.microsoft.com/office/drawing/2010/main" w="9525">
                   <a:solidFill>
                     <a:srgbClr val="000000"/>
                   </a:solidFill>
@@ -4245,7 +4252,7 @@
             </a:ln>
             <a:extLst>
               <a:ext uri="{91240B29-F687-4f45-9708-019B960494DF}">
-                <a14:hiddenLine xmlns:a14="http://schemas.microsoft.com/office/drawing/2010/main" xmlns="" w="9525">
+                <a14:hiddenLine xmlns="" xmlns:a14="http://schemas.microsoft.com/office/drawing/2010/main" w="9525">
                   <a:solidFill>
                     <a:srgbClr val="000000"/>
                   </a:solidFill>
@@ -4385,7 +4392,7 @@
           <a:p>
             <a:fld id="{48A87A34-81AB-432B-8DAE-1953F412C126}" type="datetimeFigureOut">
               <a:rPr lang="en-US" dirty="0"/>
-              <a:t>4/17/17</a:t>
+              <a:t>4/21/2017</a:t>
             </a:fld>
             <a:endParaRPr lang="en-US" dirty="0"/>
           </a:p>
@@ -4647,7 +4654,7 @@
           <a:p>
             <a:fld id="{48A87A34-81AB-432B-8DAE-1953F412C126}" type="datetimeFigureOut">
               <a:rPr lang="en-US" dirty="0"/>
-              <a:t>4/17/17</a:t>
+              <a:t>4/21/2017</a:t>
             </a:fld>
             <a:endParaRPr lang="en-US" dirty="0"/>
           </a:p>
@@ -4838,7 +4845,7 @@
           <a:p>
             <a:fld id="{48A87A34-81AB-432B-8DAE-1953F412C126}" type="datetimeFigureOut">
               <a:rPr lang="en-US" dirty="0"/>
-              <a:t>4/17/17</a:t>
+              <a:t>4/21/2017</a:t>
             </a:fld>
             <a:endParaRPr lang="en-US" dirty="0"/>
           </a:p>
@@ -5096,7 +5103,7 @@
           <a:p>
             <a:fld id="{48A87A34-81AB-432B-8DAE-1953F412C126}" type="datetimeFigureOut">
               <a:rPr lang="en-US" dirty="0"/>
-              <a:t>4/17/17</a:t>
+              <a:t>4/21/2017</a:t>
             </a:fld>
             <a:endParaRPr lang="en-US" dirty="0"/>
           </a:p>
@@ -5525,7 +5532,7 @@
           <a:p>
             <a:fld id="{48A87A34-81AB-432B-8DAE-1953F412C126}" type="datetimeFigureOut">
               <a:rPr lang="en-US" dirty="0"/>
-              <a:t>4/17/17</a:t>
+              <a:t>4/21/2017</a:t>
             </a:fld>
             <a:endParaRPr lang="en-US" dirty="0"/>
           </a:p>
@@ -6066,7 +6073,7 @@
           <a:p>
             <a:fld id="{48A87A34-81AB-432B-8DAE-1953F412C126}" type="datetimeFigureOut">
               <a:rPr lang="en-US" dirty="0"/>
-              <a:t>4/17/17</a:t>
+              <a:t>4/21/2017</a:t>
             </a:fld>
             <a:endParaRPr lang="en-US" dirty="0"/>
           </a:p>
@@ -6781,7 +6788,7 @@
           <a:p>
             <a:fld id="{48A87A34-81AB-432B-8DAE-1953F412C126}" type="datetimeFigureOut">
               <a:rPr lang="en-US" dirty="0"/>
-              <a:t>4/17/17</a:t>
+              <a:t>4/21/2017</a:t>
             </a:fld>
             <a:endParaRPr lang="en-US" dirty="0"/>
           </a:p>
@@ -6946,7 +6953,7 @@
           <a:p>
             <a:fld id="{48A87A34-81AB-432B-8DAE-1953F412C126}" type="datetimeFigureOut">
               <a:rPr lang="en-US" dirty="0"/>
-              <a:t>4/17/17</a:t>
+              <a:t>4/21/2017</a:t>
             </a:fld>
             <a:endParaRPr lang="en-US" dirty="0"/>
           </a:p>
@@ -7121,7 +7128,7 @@
           <a:p>
             <a:fld id="{48A87A34-81AB-432B-8DAE-1953F412C126}" type="datetimeFigureOut">
               <a:rPr lang="en-US" dirty="0"/>
-              <a:t>4/17/17</a:t>
+              <a:t>4/21/2017</a:t>
             </a:fld>
             <a:endParaRPr lang="en-US" dirty="0"/>
           </a:p>
@@ -7286,7 +7293,7 @@
           <a:p>
             <a:fld id="{48A87A34-81AB-432B-8DAE-1953F412C126}" type="datetimeFigureOut">
               <a:rPr lang="en-US" dirty="0"/>
-              <a:t>4/17/17</a:t>
+              <a:t>4/21/2017</a:t>
             </a:fld>
             <a:endParaRPr lang="en-US" dirty="0"/>
           </a:p>
@@ -7531,7 +7538,7 @@
           <a:p>
             <a:fld id="{48A87A34-81AB-432B-8DAE-1953F412C126}" type="datetimeFigureOut">
               <a:rPr lang="en-US" dirty="0"/>
-              <a:t>4/17/17</a:t>
+              <a:t>4/21/2017</a:t>
             </a:fld>
             <a:endParaRPr lang="en-US" dirty="0"/>
           </a:p>
@@ -7758,7 +7765,7 @@
           <a:p>
             <a:fld id="{48A87A34-81AB-432B-8DAE-1953F412C126}" type="datetimeFigureOut">
               <a:rPr lang="en-US" dirty="0"/>
-              <a:t>4/17/17</a:t>
+              <a:t>4/21/2017</a:t>
             </a:fld>
             <a:endParaRPr lang="en-US" dirty="0"/>
           </a:p>
@@ -8134,7 +8141,7 @@
           <a:p>
             <a:fld id="{48A87A34-81AB-432B-8DAE-1953F412C126}" type="datetimeFigureOut">
               <a:rPr lang="en-US" dirty="0"/>
-              <a:t>4/17/17</a:t>
+              <a:t>4/21/2017</a:t>
             </a:fld>
             <a:endParaRPr lang="en-US" dirty="0"/>
           </a:p>
@@ -8247,7 +8254,7 @@
           <a:p>
             <a:fld id="{48A87A34-81AB-432B-8DAE-1953F412C126}" type="datetimeFigureOut">
               <a:rPr lang="en-US" dirty="0"/>
-              <a:t>4/17/17</a:t>
+              <a:t>4/21/2017</a:t>
             </a:fld>
             <a:endParaRPr lang="en-US" dirty="0"/>
           </a:p>
@@ -8337,7 +8344,7 @@
           <a:p>
             <a:fld id="{48A87A34-81AB-432B-8DAE-1953F412C126}" type="datetimeFigureOut">
               <a:rPr lang="en-US" dirty="0"/>
-              <a:t>4/17/17</a:t>
+              <a:t>4/21/2017</a:t>
             </a:fld>
             <a:endParaRPr lang="en-US" dirty="0"/>
           </a:p>
@@ -8581,7 +8588,7 @@
           <a:p>
             <a:fld id="{48A87A34-81AB-432B-8DAE-1953F412C126}" type="datetimeFigureOut">
               <a:rPr lang="en-US" dirty="0"/>
-              <a:t>4/17/17</a:t>
+              <a:t>4/21/2017</a:t>
             </a:fld>
             <a:endParaRPr lang="en-US" dirty="0"/>
           </a:p>
@@ -8856,7 +8863,7 @@
           <a:p>
             <a:fld id="{48A87A34-81AB-432B-8DAE-1953F412C126}" type="datetimeFigureOut">
               <a:rPr lang="en-US" dirty="0"/>
-              <a:t>4/17/17</a:t>
+              <a:t>4/21/2017</a:t>
             </a:fld>
             <a:endParaRPr lang="en-US" dirty="0"/>
           </a:p>
@@ -8967,7 +8974,7 @@
           <a:noFill/>
           <a:extLst>
             <a:ext uri="{909E8E84-426E-40dd-AFC4-6F175D3DCCD1}">
-              <a14:hiddenFill xmlns:a14="http://schemas.microsoft.com/office/drawing/2010/main" xmlns="">
+              <a14:hiddenFill xmlns="" xmlns:a14="http://schemas.microsoft.com/office/drawing/2010/main">
                 <a:solidFill>
                   <a:srgbClr val="FFFFFF"/>
                 </a:solidFill>
@@ -9041,7 +9048,7 @@
               </a:ln>
               <a:extLst>
                 <a:ext uri="{91240B29-F687-4f45-9708-019B960494DF}">
-                  <a14:hiddenLine xmlns:a14="http://schemas.microsoft.com/office/drawing/2010/main" xmlns="" w="9525">
+                  <a14:hiddenLine xmlns="" xmlns:a14="http://schemas.microsoft.com/office/drawing/2010/main" w="9525">
                     <a:solidFill>
                       <a:srgbClr val="000000"/>
                     </a:solidFill>
@@ -9131,7 +9138,7 @@
               </a:ln>
               <a:extLst>
                 <a:ext uri="{91240B29-F687-4f45-9708-019B960494DF}">
-                  <a14:hiddenLine xmlns:a14="http://schemas.microsoft.com/office/drawing/2010/main" xmlns="" w="9525">
+                  <a14:hiddenLine xmlns="" xmlns:a14="http://schemas.microsoft.com/office/drawing/2010/main" w="9525">
                     <a:solidFill>
                       <a:srgbClr val="000000"/>
                     </a:solidFill>
@@ -9221,7 +9228,7 @@
               </a:ln>
               <a:extLst>
                 <a:ext uri="{91240B29-F687-4f45-9708-019B960494DF}">
-                  <a14:hiddenLine xmlns:a14="http://schemas.microsoft.com/office/drawing/2010/main" xmlns="" w="9525">
+                  <a14:hiddenLine xmlns="" xmlns:a14="http://schemas.microsoft.com/office/drawing/2010/main" w="9525">
                     <a:solidFill>
                       <a:srgbClr val="000000"/>
                     </a:solidFill>
@@ -9283,7 +9290,7 @@
               </a:ln>
               <a:extLst>
                 <a:ext uri="{91240B29-F687-4f45-9708-019B960494DF}">
-                  <a14:hiddenLine xmlns:a14="http://schemas.microsoft.com/office/drawing/2010/main" xmlns="" w="9525">
+                  <a14:hiddenLine xmlns="" xmlns:a14="http://schemas.microsoft.com/office/drawing/2010/main" w="9525">
                     <a:solidFill>
                       <a:srgbClr val="000000"/>
                     </a:solidFill>
@@ -9373,7 +9380,7 @@
               </a:ln>
               <a:extLst>
                 <a:ext uri="{91240B29-F687-4f45-9708-019B960494DF}">
-                  <a14:hiddenLine xmlns:a14="http://schemas.microsoft.com/office/drawing/2010/main" xmlns="" w="9525">
+                  <a14:hiddenLine xmlns="" xmlns:a14="http://schemas.microsoft.com/office/drawing/2010/main" w="9525">
                     <a:solidFill>
                       <a:srgbClr val="000000"/>
                     </a:solidFill>
@@ -9435,7 +9442,7 @@
               </a:ln>
               <a:extLst>
                 <a:ext uri="{91240B29-F687-4f45-9708-019B960494DF}">
-                  <a14:hiddenLine xmlns:a14="http://schemas.microsoft.com/office/drawing/2010/main" xmlns="" w="9525">
+                  <a14:hiddenLine xmlns="" xmlns:a14="http://schemas.microsoft.com/office/drawing/2010/main" w="9525">
                     <a:solidFill>
                       <a:srgbClr val="000000"/>
                     </a:solidFill>
@@ -9497,7 +9504,7 @@
               </a:ln>
               <a:extLst>
                 <a:ext uri="{91240B29-F687-4f45-9708-019B960494DF}">
-                  <a14:hiddenLine xmlns:a14="http://schemas.microsoft.com/office/drawing/2010/main" xmlns="" w="9525">
+                  <a14:hiddenLine xmlns="" xmlns:a14="http://schemas.microsoft.com/office/drawing/2010/main" w="9525">
                     <a:solidFill>
                       <a:srgbClr val="000000"/>
                     </a:solidFill>
@@ -9587,7 +9594,7 @@
               </a:ln>
               <a:extLst>
                 <a:ext uri="{91240B29-F687-4f45-9708-019B960494DF}">
-                  <a14:hiddenLine xmlns:a14="http://schemas.microsoft.com/office/drawing/2010/main" xmlns="" w="9525">
+                  <a14:hiddenLine xmlns="" xmlns:a14="http://schemas.microsoft.com/office/drawing/2010/main" w="9525">
                     <a:solidFill>
                       <a:srgbClr val="000000"/>
                     </a:solidFill>
@@ -9677,7 +9684,7 @@
               </a:ln>
               <a:extLst>
                 <a:ext uri="{91240B29-F687-4f45-9708-019B960494DF}">
-                  <a14:hiddenLine xmlns:a14="http://schemas.microsoft.com/office/drawing/2010/main" xmlns="" w="9525">
+                  <a14:hiddenLine xmlns="" xmlns:a14="http://schemas.microsoft.com/office/drawing/2010/main" w="9525">
                     <a:solidFill>
                       <a:srgbClr val="000000"/>
                     </a:solidFill>
@@ -9739,7 +9746,7 @@
               </a:ln>
               <a:extLst>
                 <a:ext uri="{91240B29-F687-4f45-9708-019B960494DF}">
-                  <a14:hiddenLine xmlns:a14="http://schemas.microsoft.com/office/drawing/2010/main" xmlns="" w="9525">
+                  <a14:hiddenLine xmlns="" xmlns:a14="http://schemas.microsoft.com/office/drawing/2010/main" w="9525">
                     <a:solidFill>
                       <a:srgbClr val="000000"/>
                     </a:solidFill>
@@ -9849,7 +9856,7 @@
               </a:ln>
               <a:extLst>
                 <a:ext uri="{91240B29-F687-4f45-9708-019B960494DF}">
-                  <a14:hiddenLine xmlns:a14="http://schemas.microsoft.com/office/drawing/2010/main" xmlns="" w="9525">
+                  <a14:hiddenLine xmlns="" xmlns:a14="http://schemas.microsoft.com/office/drawing/2010/main" w="9525">
                     <a:solidFill>
                       <a:srgbClr val="000000"/>
                     </a:solidFill>
@@ -9933,7 +9940,7 @@
               </a:ln>
               <a:extLst>
                 <a:ext uri="{91240B29-F687-4f45-9708-019B960494DF}">
-                  <a14:hiddenLine xmlns:a14="http://schemas.microsoft.com/office/drawing/2010/main" xmlns="" w="9525">
+                  <a14:hiddenLine xmlns="" xmlns:a14="http://schemas.microsoft.com/office/drawing/2010/main" w="9525">
                     <a:solidFill>
                       <a:srgbClr val="000000"/>
                     </a:solidFill>
@@ -9995,7 +10002,7 @@
               </a:ln>
               <a:extLst>
                 <a:ext uri="{91240B29-F687-4f45-9708-019B960494DF}">
-                  <a14:hiddenLine xmlns:a14="http://schemas.microsoft.com/office/drawing/2010/main" xmlns="" w="9525">
+                  <a14:hiddenLine xmlns="" xmlns:a14="http://schemas.microsoft.com/office/drawing/2010/main" w="9525">
                     <a:solidFill>
                       <a:srgbClr val="000000"/>
                     </a:solidFill>
@@ -10057,7 +10064,7 @@
               </a:ln>
               <a:extLst>
                 <a:ext uri="{91240B29-F687-4f45-9708-019B960494DF}">
-                  <a14:hiddenLine xmlns:a14="http://schemas.microsoft.com/office/drawing/2010/main" xmlns="" w="9525">
+                  <a14:hiddenLine xmlns="" xmlns:a14="http://schemas.microsoft.com/office/drawing/2010/main" w="9525">
                     <a:solidFill>
                       <a:srgbClr val="000000"/>
                     </a:solidFill>
@@ -10147,7 +10154,7 @@
               </a:ln>
               <a:extLst>
                 <a:ext uri="{91240B29-F687-4f45-9708-019B960494DF}">
-                  <a14:hiddenLine xmlns:a14="http://schemas.microsoft.com/office/drawing/2010/main" xmlns="" w="9525">
+                  <a14:hiddenLine xmlns="" xmlns:a14="http://schemas.microsoft.com/office/drawing/2010/main" w="9525">
                     <a:solidFill>
                       <a:srgbClr val="000000"/>
                     </a:solidFill>
@@ -10181,7 +10188,7 @@
               </a:ln>
               <a:extLst>
                 <a:ext uri="{91240B29-F687-4f45-9708-019B960494DF}">
-                  <a14:hiddenLine xmlns:a14="http://schemas.microsoft.com/office/drawing/2010/main" xmlns="" w="9525">
+                  <a14:hiddenLine xmlns="" xmlns:a14="http://schemas.microsoft.com/office/drawing/2010/main" w="9525">
                     <a:solidFill>
                       <a:srgbClr val="000000"/>
                     </a:solidFill>
@@ -10246,7 +10253,7 @@
               </a:ln>
               <a:extLst>
                 <a:ext uri="{91240B29-F687-4f45-9708-019B960494DF}">
-                  <a14:hiddenLine xmlns:a14="http://schemas.microsoft.com/office/drawing/2010/main" xmlns="" w="9525">
+                  <a14:hiddenLine xmlns="" xmlns:a14="http://schemas.microsoft.com/office/drawing/2010/main" w="9525">
                     <a:solidFill>
                       <a:srgbClr val="000000"/>
                     </a:solidFill>
@@ -10336,7 +10343,7 @@
               </a:ln>
               <a:extLst>
                 <a:ext uri="{91240B29-F687-4f45-9708-019B960494DF}">
-                  <a14:hiddenLine xmlns:a14="http://schemas.microsoft.com/office/drawing/2010/main" xmlns="" w="9525">
+                  <a14:hiddenLine xmlns="" xmlns:a14="http://schemas.microsoft.com/office/drawing/2010/main" w="9525">
                     <a:solidFill>
                       <a:srgbClr val="000000"/>
                     </a:solidFill>
@@ -10398,7 +10405,7 @@
               </a:ln>
               <a:extLst>
                 <a:ext uri="{91240B29-F687-4f45-9708-019B960494DF}">
-                  <a14:hiddenLine xmlns:a14="http://schemas.microsoft.com/office/drawing/2010/main" xmlns="" w="9525">
+                  <a14:hiddenLine xmlns="" xmlns:a14="http://schemas.microsoft.com/office/drawing/2010/main" w="9525">
                     <a:solidFill>
                       <a:srgbClr val="000000"/>
                     </a:solidFill>
@@ -10488,7 +10495,7 @@
               </a:ln>
               <a:extLst>
                 <a:ext uri="{91240B29-F687-4f45-9708-019B960494DF}">
-                  <a14:hiddenLine xmlns:a14="http://schemas.microsoft.com/office/drawing/2010/main" xmlns="" w="9525">
+                  <a14:hiddenLine xmlns="" xmlns:a14="http://schemas.microsoft.com/office/drawing/2010/main" w="9525">
                     <a:solidFill>
                       <a:srgbClr val="000000"/>
                     </a:solidFill>
@@ -10553,7 +10560,7 @@
               </a:ln>
               <a:extLst>
                 <a:ext uri="{91240B29-F687-4f45-9708-019B960494DF}">
-                  <a14:hiddenLine xmlns:a14="http://schemas.microsoft.com/office/drawing/2010/main" xmlns="" w="9525">
+                  <a14:hiddenLine xmlns="" xmlns:a14="http://schemas.microsoft.com/office/drawing/2010/main" w="9525">
                     <a:solidFill>
                       <a:srgbClr val="000000"/>
                     </a:solidFill>
@@ -10615,7 +10622,7 @@
               </a:ln>
               <a:extLst>
                 <a:ext uri="{91240B29-F687-4f45-9708-019B960494DF}">
-                  <a14:hiddenLine xmlns:a14="http://schemas.microsoft.com/office/drawing/2010/main" xmlns="" w="9525">
+                  <a14:hiddenLine xmlns="" xmlns:a14="http://schemas.microsoft.com/office/drawing/2010/main" w="9525">
                     <a:solidFill>
                       <a:srgbClr val="000000"/>
                     </a:solidFill>
@@ -10705,7 +10712,7 @@
               </a:ln>
               <a:extLst>
                 <a:ext uri="{91240B29-F687-4f45-9708-019B960494DF}">
-                  <a14:hiddenLine xmlns:a14="http://schemas.microsoft.com/office/drawing/2010/main" xmlns="" w="9525">
+                  <a14:hiddenLine xmlns="" xmlns:a14="http://schemas.microsoft.com/office/drawing/2010/main" w="9525">
                     <a:solidFill>
                       <a:srgbClr val="000000"/>
                     </a:solidFill>
@@ -10795,7 +10802,7 @@
               </a:ln>
               <a:extLst>
                 <a:ext uri="{91240B29-F687-4f45-9708-019B960494DF}">
-                  <a14:hiddenLine xmlns:a14="http://schemas.microsoft.com/office/drawing/2010/main" xmlns="" w="9525">
+                  <a14:hiddenLine xmlns="" xmlns:a14="http://schemas.microsoft.com/office/drawing/2010/main" w="9525">
                     <a:solidFill>
                       <a:srgbClr val="000000"/>
                     </a:solidFill>
@@ -10860,7 +10867,7 @@
               </a:ln>
               <a:extLst>
                 <a:ext uri="{91240B29-F687-4f45-9708-019B960494DF}">
-                  <a14:hiddenLine xmlns:a14="http://schemas.microsoft.com/office/drawing/2010/main" xmlns="" w="9525">
+                  <a14:hiddenLine xmlns="" xmlns:a14="http://schemas.microsoft.com/office/drawing/2010/main" w="9525">
                     <a:solidFill>
                       <a:srgbClr val="000000"/>
                     </a:solidFill>
@@ -10980,7 +10987,7 @@
               </a:ln>
               <a:extLst>
                 <a:ext uri="{91240B29-F687-4f45-9708-019B960494DF}">
-                  <a14:hiddenLine xmlns:a14="http://schemas.microsoft.com/office/drawing/2010/main" xmlns="" w="9525">
+                  <a14:hiddenLine xmlns="" xmlns:a14="http://schemas.microsoft.com/office/drawing/2010/main" w="9525">
                     <a:solidFill>
                       <a:srgbClr val="000000"/>
                     </a:solidFill>
@@ -11078,7 +11085,7 @@
               </a:ln>
               <a:extLst>
                 <a:ext uri="{91240B29-F687-4f45-9708-019B960494DF}">
-                  <a14:hiddenLine xmlns:a14="http://schemas.microsoft.com/office/drawing/2010/main" xmlns="" w="9525">
+                  <a14:hiddenLine xmlns="" xmlns:a14="http://schemas.microsoft.com/office/drawing/2010/main" w="9525">
                     <a:solidFill>
                       <a:srgbClr val="000000"/>
                     </a:solidFill>
@@ -11193,7 +11200,7 @@
               </a:ln>
               <a:extLst>
                 <a:ext uri="{91240B29-F687-4f45-9708-019B960494DF}">
-                  <a14:hiddenLine xmlns:a14="http://schemas.microsoft.com/office/drawing/2010/main" xmlns="" w="9525">
+                  <a14:hiddenLine xmlns="" xmlns:a14="http://schemas.microsoft.com/office/drawing/2010/main" w="9525">
                     <a:solidFill>
                       <a:srgbClr val="000000"/>
                     </a:solidFill>
@@ -11283,7 +11290,7 @@
               </a:ln>
               <a:extLst>
                 <a:ext uri="{91240B29-F687-4f45-9708-019B960494DF}">
-                  <a14:hiddenLine xmlns:a14="http://schemas.microsoft.com/office/drawing/2010/main" xmlns="" w="9525">
+                  <a14:hiddenLine xmlns="" xmlns:a14="http://schemas.microsoft.com/office/drawing/2010/main" w="9525">
                     <a:solidFill>
                       <a:srgbClr val="000000"/>
                     </a:solidFill>
@@ -11348,7 +11355,7 @@
               </a:ln>
               <a:extLst>
                 <a:ext uri="{91240B29-F687-4f45-9708-019B960494DF}">
-                  <a14:hiddenLine xmlns:a14="http://schemas.microsoft.com/office/drawing/2010/main" xmlns="" w="9525">
+                  <a14:hiddenLine xmlns="" xmlns:a14="http://schemas.microsoft.com/office/drawing/2010/main" w="9525">
                     <a:solidFill>
                       <a:srgbClr val="000000"/>
                     </a:solidFill>
@@ -11438,7 +11445,7 @@
               </a:ln>
               <a:extLst>
                 <a:ext uri="{91240B29-F687-4f45-9708-019B960494DF}">
-                  <a14:hiddenLine xmlns:a14="http://schemas.microsoft.com/office/drawing/2010/main" xmlns="" w="9525">
+                  <a14:hiddenLine xmlns="" xmlns:a14="http://schemas.microsoft.com/office/drawing/2010/main" w="9525">
                     <a:solidFill>
                       <a:srgbClr val="000000"/>
                     </a:solidFill>
@@ -11506,7 +11513,7 @@
               </a:ln>
               <a:extLst>
                 <a:ext uri="{91240B29-F687-4f45-9708-019B960494DF}">
-                  <a14:hiddenLine xmlns:a14="http://schemas.microsoft.com/office/drawing/2010/main" xmlns="" w="9525">
+                  <a14:hiddenLine xmlns="" xmlns:a14="http://schemas.microsoft.com/office/drawing/2010/main" w="9525">
                     <a:solidFill>
                       <a:srgbClr val="000000"/>
                     </a:solidFill>
@@ -11596,7 +11603,7 @@
               </a:ln>
               <a:extLst>
                 <a:ext uri="{91240B29-F687-4f45-9708-019B960494DF}">
-                  <a14:hiddenLine xmlns:a14="http://schemas.microsoft.com/office/drawing/2010/main" xmlns="" w="9525">
+                  <a14:hiddenLine xmlns="" xmlns:a14="http://schemas.microsoft.com/office/drawing/2010/main" w="9525">
                     <a:solidFill>
                       <a:srgbClr val="000000"/>
                     </a:solidFill>
@@ -11664,7 +11671,7 @@
               </a:ln>
               <a:extLst>
                 <a:ext uri="{91240B29-F687-4f45-9708-019B960494DF}">
-                  <a14:hiddenLine xmlns:a14="http://schemas.microsoft.com/office/drawing/2010/main" xmlns="" w="9525">
+                  <a14:hiddenLine xmlns="" xmlns:a14="http://schemas.microsoft.com/office/drawing/2010/main" w="9525">
                     <a:solidFill>
                       <a:srgbClr val="000000"/>
                     </a:solidFill>
@@ -11754,7 +11761,7 @@
               </a:ln>
               <a:extLst>
                 <a:ext uri="{91240B29-F687-4f45-9708-019B960494DF}">
-                  <a14:hiddenLine xmlns:a14="http://schemas.microsoft.com/office/drawing/2010/main" xmlns="" w="9525">
+                  <a14:hiddenLine xmlns="" xmlns:a14="http://schemas.microsoft.com/office/drawing/2010/main" w="9525">
                     <a:solidFill>
                       <a:srgbClr val="000000"/>
                     </a:solidFill>
@@ -11788,7 +11795,7 @@
               </a:ln>
               <a:extLst>
                 <a:ext uri="{91240B29-F687-4f45-9708-019B960494DF}">
-                  <a14:hiddenLine xmlns:a14="http://schemas.microsoft.com/office/drawing/2010/main" xmlns="" w="9525">
+                  <a14:hiddenLine xmlns="" xmlns:a14="http://schemas.microsoft.com/office/drawing/2010/main" w="9525">
                     <a:solidFill>
                       <a:srgbClr val="000000"/>
                     </a:solidFill>
@@ -11929,7 +11936,7 @@
             <a:fld id="{48A87A34-81AB-432B-8DAE-1953F412C126}" type="datetimeFigureOut">
               <a:rPr lang="en-US" dirty="0"/>
               <a:pPr/>
-              <a:t>4/17/17</a:t>
+              <a:t>4/21/2017</a:t>
             </a:fld>
             <a:endParaRPr lang="en-US" dirty="0"/>
           </a:p>
@@ -12627,7 +12634,6 @@
               <a:rPr lang="zh-CN" altLang="en-US" dirty="0" smtClean="0"/>
               <a:t>任务</a:t>
             </a:r>
-            <a:endParaRPr lang="zh-CN" altLang="en-US" dirty="0" smtClean="0"/>
           </a:p>
           <a:p>
             <a:r>
@@ -12733,6 +12739,348 @@
 </file>
 
 <file path=ppt/slides/slide3.xml><?xml version="1.0" encoding="utf-8"?>
+<p:sld xmlns:a="http://schemas.openxmlformats.org/drawingml/2006/main" xmlns:r="http://schemas.openxmlformats.org/officeDocument/2006/relationships" xmlns:p="http://schemas.openxmlformats.org/presentationml/2006/main">
+  <p:cSld>
+    <p:spTree>
+      <p:nvGrpSpPr>
+        <p:cNvPr id="1" name=""/>
+        <p:cNvGrpSpPr/>
+        <p:nvPr/>
+      </p:nvGrpSpPr>
+      <p:grpSpPr>
+        <a:xfrm>
+          <a:off x="0" y="0"/>
+          <a:ext cx="0" cy="0"/>
+          <a:chOff x="0" y="0"/>
+          <a:chExt cx="0" cy="0"/>
+        </a:xfrm>
+      </p:grpSpPr>
+      <p:sp>
+        <p:nvSpPr>
+          <p:cNvPr id="2" name="Title 1"/>
+          <p:cNvSpPr>
+            <a:spLocks noGrp="1"/>
+          </p:cNvSpPr>
+          <p:nvPr>
+            <p:ph type="title"/>
+          </p:nvPr>
+        </p:nvSpPr>
+        <p:spPr/>
+        <p:txBody>
+          <a:bodyPr/>
+          <a:lstStyle/>
+          <a:p>
+            <a:r>
+              <a:rPr lang="zh-CN" altLang="en-US" dirty="0" smtClean="0"/>
+              <a:t>已经完成基本功能</a:t>
+            </a:r>
+            <a:endParaRPr lang="en-US" dirty="0"/>
+          </a:p>
+        </p:txBody>
+      </p:sp>
+      <p:sp>
+        <p:nvSpPr>
+          <p:cNvPr id="3" name="Content Placeholder 2"/>
+          <p:cNvSpPr>
+            <a:spLocks noGrp="1"/>
+          </p:cNvSpPr>
+          <p:nvPr>
+            <p:ph idx="1"/>
+          </p:nvPr>
+        </p:nvSpPr>
+        <p:spPr/>
+        <p:txBody>
+          <a:bodyPr/>
+          <a:lstStyle/>
+          <a:p>
+            <a:r>
+              <a:rPr lang="zh-CN" altLang="en-US" dirty="0" smtClean="0"/>
+              <a:t>软件</a:t>
+            </a:r>
+            <a:r>
+              <a:rPr lang="zh-CN" altLang="en-US" dirty="0"/>
+              <a:t>启动时会自动接受新</a:t>
+            </a:r>
+            <a:r>
+              <a:rPr lang="zh-CN" altLang="en-US" dirty="0" smtClean="0"/>
+              <a:t>任务</a:t>
+            </a:r>
+          </a:p>
+          <a:p>
+            <a:r>
+              <a:rPr lang="zh-CN" altLang="en-US" dirty="0"/>
+              <a:t>可以</a:t>
+            </a:r>
+            <a:r>
+              <a:rPr lang="en-US" altLang="zh-CN" dirty="0"/>
+              <a:t>QR</a:t>
+            </a:r>
+            <a:r>
+              <a:rPr lang="zh-CN" altLang="en-US" dirty="0"/>
+              <a:t>扫码货物</a:t>
+            </a:r>
+            <a:r>
+              <a:rPr lang="zh-CN" altLang="en-US" dirty="0" smtClean="0"/>
+              <a:t>信息</a:t>
+            </a:r>
+          </a:p>
+          <a:p>
+            <a:r>
+              <a:rPr lang="zh-CN" altLang="en-US" dirty="0" smtClean="0"/>
+              <a:t>可以实时显示</a:t>
+            </a:r>
+            <a:r>
+              <a:rPr lang="en-US" altLang="zh-CN" dirty="0" smtClean="0"/>
+              <a:t>GPS</a:t>
+            </a:r>
+            <a:r>
+              <a:rPr lang="zh-CN" altLang="en-US" dirty="0" smtClean="0"/>
+              <a:t>信息</a:t>
+            </a:r>
+          </a:p>
+          <a:p>
+            <a:r>
+              <a:rPr lang="zh-CN" altLang="en-US" dirty="0" smtClean="0"/>
+              <a:t>每隔</a:t>
+            </a:r>
+            <a:r>
+              <a:rPr lang="en-US" altLang="zh-CN" dirty="0" smtClean="0"/>
+              <a:t>15s</a:t>
+            </a:r>
+            <a:r>
+              <a:rPr lang="zh-CN" altLang="en-US" dirty="0" smtClean="0"/>
+              <a:t>向服务器发送</a:t>
+            </a:r>
+            <a:r>
+              <a:rPr lang="en-US" altLang="zh-CN" dirty="0" smtClean="0"/>
+              <a:t>GPS</a:t>
+            </a:r>
+            <a:r>
+              <a:rPr lang="zh-CN" altLang="en-US" dirty="0" smtClean="0"/>
+              <a:t>信息</a:t>
+            </a:r>
+          </a:p>
+          <a:p>
+            <a:r>
+              <a:rPr lang="en-US" altLang="zh-CN" dirty="0" smtClean="0"/>
+              <a:t>GPS</a:t>
+            </a:r>
+            <a:r>
+              <a:rPr lang="zh-CN" altLang="en-US" dirty="0" smtClean="0"/>
+              <a:t>信息与计算的路线不符时会发出有声音有震动的警报</a:t>
+            </a:r>
+            <a:endParaRPr lang="en-US" altLang="zh-CN" dirty="0" smtClean="0"/>
+          </a:p>
+          <a:p>
+            <a:r>
+              <a:rPr lang="zh-CN" altLang="en-US" dirty="0" smtClean="0"/>
+              <a:t>使用</a:t>
+            </a:r>
+            <a:r>
+              <a:rPr lang="en-US" altLang="zh-CN" dirty="0" smtClean="0"/>
+              <a:t>Core</a:t>
+            </a:r>
+            <a:r>
+              <a:rPr lang="zh-CN" altLang="en-US" dirty="0" smtClean="0"/>
+              <a:t> </a:t>
+            </a:r>
+            <a:r>
+              <a:rPr lang="en-US" altLang="zh-CN" dirty="0" smtClean="0"/>
+              <a:t>Data</a:t>
+            </a:r>
+            <a:r>
+              <a:rPr lang="zh-CN" altLang="en-US" dirty="0" smtClean="0"/>
+              <a:t>保存软件当前状态，以便软件关闭重开时恢复数据</a:t>
+            </a:r>
+            <a:endParaRPr lang="en-US" dirty="0"/>
+          </a:p>
+        </p:txBody>
+      </p:sp>
+    </p:spTree>
+    <p:extLst>
+      <p:ext uri="{BB962C8B-B14F-4D97-AF65-F5344CB8AC3E}">
+        <p14:creationId xmlns:p14="http://schemas.microsoft.com/office/powerpoint/2010/main" val="672155524"/>
+      </p:ext>
+    </p:extLst>
+  </p:cSld>
+  <p:clrMapOvr>
+    <a:masterClrMapping/>
+  </p:clrMapOvr>
+</p:sld>
+</file>
+
+<file path=ppt/slides/slide4.xml><?xml version="1.0" encoding="utf-8"?>
+<p:sld xmlns:a="http://schemas.openxmlformats.org/drawingml/2006/main" xmlns:r="http://schemas.openxmlformats.org/officeDocument/2006/relationships" xmlns:p="http://schemas.openxmlformats.org/presentationml/2006/main">
+  <p:cSld>
+    <p:spTree>
+      <p:nvGrpSpPr>
+        <p:cNvPr id="1" name=""/>
+        <p:cNvGrpSpPr/>
+        <p:nvPr/>
+      </p:nvGrpSpPr>
+      <p:grpSpPr>
+        <a:xfrm>
+          <a:off x="0" y="0"/>
+          <a:ext cx="0" cy="0"/>
+          <a:chOff x="0" y="0"/>
+          <a:chExt cx="0" cy="0"/>
+        </a:xfrm>
+      </p:grpSpPr>
+      <p:sp>
+        <p:nvSpPr>
+          <p:cNvPr id="2" name="Title 1"/>
+          <p:cNvSpPr>
+            <a:spLocks noGrp="1"/>
+          </p:cNvSpPr>
+          <p:nvPr>
+            <p:ph type="title"/>
+          </p:nvPr>
+        </p:nvSpPr>
+        <p:spPr/>
+        <p:txBody>
+          <a:bodyPr/>
+          <a:lstStyle/>
+          <a:p>
+            <a:r>
+              <a:rPr lang="zh-CN" altLang="en-US" dirty="0" smtClean="0"/>
+              <a:t>已经完成基本功能</a:t>
+            </a:r>
+            <a:endParaRPr lang="en-US" dirty="0"/>
+          </a:p>
+        </p:txBody>
+      </p:sp>
+      <p:sp>
+        <p:nvSpPr>
+          <p:cNvPr id="3" name="Content Placeholder 2"/>
+          <p:cNvSpPr>
+            <a:spLocks noGrp="1"/>
+          </p:cNvSpPr>
+          <p:nvPr>
+            <p:ph idx="1"/>
+          </p:nvPr>
+        </p:nvSpPr>
+        <p:spPr/>
+        <p:txBody>
+          <a:bodyPr/>
+          <a:lstStyle/>
+          <a:p>
+            <a:r>
+              <a:rPr lang="zh-CN" altLang="en-US" dirty="0" smtClean="0"/>
+              <a:t>软件</a:t>
+            </a:r>
+            <a:r>
+              <a:rPr lang="zh-CN" altLang="en-US" dirty="0"/>
+              <a:t>启动时会自动接受新</a:t>
+            </a:r>
+            <a:r>
+              <a:rPr lang="zh-CN" altLang="en-US" dirty="0" smtClean="0"/>
+              <a:t>任务</a:t>
+            </a:r>
+          </a:p>
+          <a:p>
+            <a:r>
+              <a:rPr lang="zh-CN" altLang="en-US" dirty="0"/>
+              <a:t>可以</a:t>
+            </a:r>
+            <a:r>
+              <a:rPr lang="en-US" altLang="zh-CN" dirty="0"/>
+              <a:t>QR</a:t>
+            </a:r>
+            <a:r>
+              <a:rPr lang="zh-CN" altLang="en-US" dirty="0"/>
+              <a:t>扫码货物</a:t>
+            </a:r>
+            <a:r>
+              <a:rPr lang="zh-CN" altLang="en-US" dirty="0" smtClean="0"/>
+              <a:t>信息</a:t>
+            </a:r>
+          </a:p>
+          <a:p>
+            <a:r>
+              <a:rPr lang="zh-CN" altLang="en-US" dirty="0" smtClean="0"/>
+              <a:t>可以实时显示</a:t>
+            </a:r>
+            <a:r>
+              <a:rPr lang="en-US" altLang="zh-CN" dirty="0" smtClean="0"/>
+              <a:t>GPS</a:t>
+            </a:r>
+            <a:r>
+              <a:rPr lang="zh-CN" altLang="en-US" dirty="0" smtClean="0"/>
+              <a:t>信息</a:t>
+            </a:r>
+          </a:p>
+          <a:p>
+            <a:r>
+              <a:rPr lang="zh-CN" altLang="en-US" dirty="0" smtClean="0"/>
+              <a:t>每隔</a:t>
+            </a:r>
+            <a:r>
+              <a:rPr lang="en-US" altLang="zh-CN" dirty="0" smtClean="0"/>
+              <a:t>15s</a:t>
+            </a:r>
+            <a:r>
+              <a:rPr lang="zh-CN" altLang="en-US" dirty="0" smtClean="0"/>
+              <a:t>向服务器发送</a:t>
+            </a:r>
+            <a:r>
+              <a:rPr lang="en-US" altLang="zh-CN" dirty="0" smtClean="0"/>
+              <a:t>GPS</a:t>
+            </a:r>
+            <a:r>
+              <a:rPr lang="zh-CN" altLang="en-US" dirty="0" smtClean="0"/>
+              <a:t>信息</a:t>
+            </a:r>
+          </a:p>
+          <a:p>
+            <a:r>
+              <a:rPr lang="en-US" altLang="zh-CN" dirty="0" smtClean="0"/>
+              <a:t>GPS</a:t>
+            </a:r>
+            <a:r>
+              <a:rPr lang="zh-CN" altLang="en-US" dirty="0" smtClean="0"/>
+              <a:t>信息与计算的路线不符时会发出有声音有震动的警报</a:t>
+            </a:r>
+            <a:endParaRPr lang="en-US" altLang="zh-CN" dirty="0" smtClean="0"/>
+          </a:p>
+          <a:p>
+            <a:r>
+              <a:rPr lang="zh-CN" altLang="en-US" dirty="0" smtClean="0"/>
+              <a:t>使用</a:t>
+            </a:r>
+            <a:r>
+              <a:rPr lang="en-US" altLang="zh-CN" dirty="0" smtClean="0"/>
+              <a:t>Core</a:t>
+            </a:r>
+            <a:r>
+              <a:rPr lang="zh-CN" altLang="en-US" dirty="0" smtClean="0"/>
+              <a:t> </a:t>
+            </a:r>
+            <a:r>
+              <a:rPr lang="en-US" altLang="zh-CN" dirty="0" smtClean="0"/>
+              <a:t>Data</a:t>
+            </a:r>
+            <a:r>
+              <a:rPr lang="zh-CN" altLang="en-US" dirty="0" smtClean="0"/>
+              <a:t>保存软件当前状态，以便软件关闭重开时恢复数据</a:t>
+            </a:r>
+            <a:endParaRPr lang="en-US" dirty="0"/>
+          </a:p>
+        </p:txBody>
+      </p:sp>
+    </p:spTree>
+    <p:extLst>
+      <p:ext uri="{BB962C8B-B14F-4D97-AF65-F5344CB8AC3E}">
+        <p14:creationId xmlns:p14="http://schemas.microsoft.com/office/powerpoint/2010/main" val="1223753819"/>
+      </p:ext>
+    </p:extLst>
+  </p:cSld>
+  <p:clrMapOvr>
+    <a:masterClrMapping/>
+  </p:clrMapOvr>
+</p:sld>
+</file>
+
+<file path=ppt/slides/slide5.xml><?xml version="1.0" encoding="utf-8"?>
 <p:sld xmlns:a="http://schemas.openxmlformats.org/drawingml/2006/main" xmlns:r="http://schemas.openxmlformats.org/officeDocument/2006/relationships" xmlns:p="http://schemas.openxmlformats.org/presentationml/2006/main">
   <p:cSld>
     <p:spTree>

--- a/docs/中期答辩.pptx
+++ b/docs/中期答辩.pptx
@@ -166,7 +166,7 @@
           <a:noFill/>
           <a:extLst>
             <a:ext uri="{909E8E84-426E-40dd-AFC4-6F175D3DCCD1}">
-              <a14:hiddenFill xmlns="" xmlns:a14="http://schemas.microsoft.com/office/drawing/2010/main">
+              <a14:hiddenFill xmlns:a14="http://schemas.microsoft.com/office/drawing/2010/main" xmlns="">
                 <a:solidFill>
                   <a:srgbClr val="FFFFFF"/>
                 </a:solidFill>
@@ -226,7 +226,7 @@
             </a:ln>
             <a:extLst>
               <a:ext uri="{91240B29-F687-4f45-9708-019B960494DF}">
-                <a14:hiddenLine xmlns="" xmlns:a14="http://schemas.microsoft.com/office/drawing/2010/main" w="9525">
+                <a14:hiddenLine xmlns:a14="http://schemas.microsoft.com/office/drawing/2010/main" xmlns="" w="9525">
                   <a:solidFill>
                     <a:srgbClr val="000000"/>
                   </a:solidFill>
@@ -316,7 +316,7 @@
             </a:ln>
             <a:extLst>
               <a:ext uri="{91240B29-F687-4f45-9708-019B960494DF}">
-                <a14:hiddenLine xmlns="" xmlns:a14="http://schemas.microsoft.com/office/drawing/2010/main" w="9525">
+                <a14:hiddenLine xmlns:a14="http://schemas.microsoft.com/office/drawing/2010/main" xmlns="" w="9525">
                   <a:solidFill>
                     <a:srgbClr val="000000"/>
                   </a:solidFill>
@@ -406,7 +406,7 @@
             </a:ln>
             <a:extLst>
               <a:ext uri="{91240B29-F687-4f45-9708-019B960494DF}">
-                <a14:hiddenLine xmlns="" xmlns:a14="http://schemas.microsoft.com/office/drawing/2010/main" w="9525">
+                <a14:hiddenLine xmlns:a14="http://schemas.microsoft.com/office/drawing/2010/main" xmlns="" w="9525">
                   <a:solidFill>
                     <a:srgbClr val="000000"/>
                   </a:solidFill>
@@ -440,7 +440,7 @@
             </a:ln>
             <a:extLst>
               <a:ext uri="{91240B29-F687-4f45-9708-019B960494DF}">
-                <a14:hiddenLine xmlns="" xmlns:a14="http://schemas.microsoft.com/office/drawing/2010/main" w="9525">
+                <a14:hiddenLine xmlns:a14="http://schemas.microsoft.com/office/drawing/2010/main" xmlns="" w="9525">
                   <a:solidFill>
                     <a:srgbClr val="000000"/>
                   </a:solidFill>
@@ -530,7 +530,7 @@
             </a:ln>
             <a:extLst>
               <a:ext uri="{91240B29-F687-4f45-9708-019B960494DF}">
-                <a14:hiddenLine xmlns="" xmlns:a14="http://schemas.microsoft.com/office/drawing/2010/main" w="9525">
+                <a14:hiddenLine xmlns:a14="http://schemas.microsoft.com/office/drawing/2010/main" xmlns="" w="9525">
                   <a:solidFill>
                     <a:srgbClr val="000000"/>
                   </a:solidFill>
@@ -592,7 +592,7 @@
             </a:ln>
             <a:extLst>
               <a:ext uri="{91240B29-F687-4f45-9708-019B960494DF}">
-                <a14:hiddenLine xmlns="" xmlns:a14="http://schemas.microsoft.com/office/drawing/2010/main" w="9525">
+                <a14:hiddenLine xmlns:a14="http://schemas.microsoft.com/office/drawing/2010/main" xmlns="" w="9525">
                   <a:solidFill>
                     <a:srgbClr val="000000"/>
                   </a:solidFill>
@@ -654,7 +654,7 @@
             </a:ln>
             <a:extLst>
               <a:ext uri="{91240B29-F687-4f45-9708-019B960494DF}">
-                <a14:hiddenLine xmlns="" xmlns:a14="http://schemas.microsoft.com/office/drawing/2010/main" w="9525">
+                <a14:hiddenLine xmlns:a14="http://schemas.microsoft.com/office/drawing/2010/main" xmlns="" w="9525">
                   <a:solidFill>
                     <a:srgbClr val="000000"/>
                   </a:solidFill>
@@ -744,7 +744,7 @@
             </a:ln>
             <a:extLst>
               <a:ext uri="{91240B29-F687-4f45-9708-019B960494DF}">
-                <a14:hiddenLine xmlns="" xmlns:a14="http://schemas.microsoft.com/office/drawing/2010/main" w="9525">
+                <a14:hiddenLine xmlns:a14="http://schemas.microsoft.com/office/drawing/2010/main" xmlns="" w="9525">
                   <a:solidFill>
                     <a:srgbClr val="000000"/>
                   </a:solidFill>
@@ -806,7 +806,7 @@
             </a:ln>
             <a:extLst>
               <a:ext uri="{91240B29-F687-4f45-9708-019B960494DF}">
-                <a14:hiddenLine xmlns="" xmlns:a14="http://schemas.microsoft.com/office/drawing/2010/main" w="9525">
+                <a14:hiddenLine xmlns:a14="http://schemas.microsoft.com/office/drawing/2010/main" xmlns="" w="9525">
                   <a:solidFill>
                     <a:srgbClr val="000000"/>
                   </a:solidFill>
@@ -868,7 +868,7 @@
             </a:ln>
             <a:extLst>
               <a:ext uri="{91240B29-F687-4f45-9708-019B960494DF}">
-                <a14:hiddenLine xmlns="" xmlns:a14="http://schemas.microsoft.com/office/drawing/2010/main" w="9525">
+                <a14:hiddenLine xmlns:a14="http://schemas.microsoft.com/office/drawing/2010/main" xmlns="" w="9525">
                   <a:solidFill>
                     <a:srgbClr val="000000"/>
                   </a:solidFill>
@@ -958,7 +958,7 @@
             </a:ln>
             <a:extLst>
               <a:ext uri="{91240B29-F687-4f45-9708-019B960494DF}">
-                <a14:hiddenLine xmlns="" xmlns:a14="http://schemas.microsoft.com/office/drawing/2010/main" w="9525">
+                <a14:hiddenLine xmlns:a14="http://schemas.microsoft.com/office/drawing/2010/main" xmlns="" w="9525">
                   <a:solidFill>
                     <a:srgbClr val="000000"/>
                   </a:solidFill>
@@ -1048,7 +1048,7 @@
             </a:ln>
             <a:extLst>
               <a:ext uri="{91240B29-F687-4f45-9708-019B960494DF}">
-                <a14:hiddenLine xmlns="" xmlns:a14="http://schemas.microsoft.com/office/drawing/2010/main" w="9525">
+                <a14:hiddenLine xmlns:a14="http://schemas.microsoft.com/office/drawing/2010/main" xmlns="" w="9525">
                   <a:solidFill>
                     <a:srgbClr val="000000"/>
                   </a:solidFill>
@@ -1110,7 +1110,7 @@
             </a:ln>
             <a:extLst>
               <a:ext uri="{91240B29-F687-4f45-9708-019B960494DF}">
-                <a14:hiddenLine xmlns="" xmlns:a14="http://schemas.microsoft.com/office/drawing/2010/main" w="9525">
+                <a14:hiddenLine xmlns:a14="http://schemas.microsoft.com/office/drawing/2010/main" xmlns="" w="9525">
                   <a:solidFill>
                     <a:srgbClr val="000000"/>
                   </a:solidFill>
@@ -1220,7 +1220,7 @@
             </a:ln>
             <a:extLst>
               <a:ext uri="{91240B29-F687-4f45-9708-019B960494DF}">
-                <a14:hiddenLine xmlns="" xmlns:a14="http://schemas.microsoft.com/office/drawing/2010/main" w="9525">
+                <a14:hiddenLine xmlns:a14="http://schemas.microsoft.com/office/drawing/2010/main" xmlns="" w="9525">
                   <a:solidFill>
                     <a:srgbClr val="000000"/>
                   </a:solidFill>
@@ -1282,7 +1282,7 @@
             </a:ln>
             <a:extLst>
               <a:ext uri="{91240B29-F687-4f45-9708-019B960494DF}">
-                <a14:hiddenLine xmlns="" xmlns:a14="http://schemas.microsoft.com/office/drawing/2010/main" w="9525">
+                <a14:hiddenLine xmlns:a14="http://schemas.microsoft.com/office/drawing/2010/main" xmlns="" w="9525">
                   <a:solidFill>
                     <a:srgbClr val="000000"/>
                   </a:solidFill>
@@ -1372,7 +1372,7 @@
             </a:ln>
             <a:extLst>
               <a:ext uri="{91240B29-F687-4f45-9708-019B960494DF}">
-                <a14:hiddenLine xmlns="" xmlns:a14="http://schemas.microsoft.com/office/drawing/2010/main" w="9525">
+                <a14:hiddenLine xmlns:a14="http://schemas.microsoft.com/office/drawing/2010/main" xmlns="" w="9525">
                   <a:solidFill>
                     <a:srgbClr val="000000"/>
                   </a:solidFill>
@@ -1462,7 +1462,7 @@
             </a:ln>
             <a:extLst>
               <a:ext uri="{91240B29-F687-4f45-9708-019B960494DF}">
-                <a14:hiddenLine xmlns="" xmlns:a14="http://schemas.microsoft.com/office/drawing/2010/main" w="9525">
+                <a14:hiddenLine xmlns:a14="http://schemas.microsoft.com/office/drawing/2010/main" xmlns="" w="9525">
                   <a:solidFill>
                     <a:srgbClr val="000000"/>
                   </a:solidFill>
@@ -1524,7 +1524,7 @@
             </a:ln>
             <a:extLst>
               <a:ext uri="{91240B29-F687-4f45-9708-019B960494DF}">
-                <a14:hiddenLine xmlns="" xmlns:a14="http://schemas.microsoft.com/office/drawing/2010/main" w="9525">
+                <a14:hiddenLine xmlns:a14="http://schemas.microsoft.com/office/drawing/2010/main" xmlns="" w="9525">
                   <a:solidFill>
                     <a:srgbClr val="000000"/>
                   </a:solidFill>
@@ -1614,7 +1614,7 @@
             </a:ln>
             <a:extLst>
               <a:ext uri="{91240B29-F687-4f45-9708-019B960494DF}">
-                <a14:hiddenLine xmlns="" xmlns:a14="http://schemas.microsoft.com/office/drawing/2010/main" w="9525">
+                <a14:hiddenLine xmlns:a14="http://schemas.microsoft.com/office/drawing/2010/main" xmlns="" w="9525">
                   <a:solidFill>
                     <a:srgbClr val="000000"/>
                   </a:solidFill>
@@ -1704,7 +1704,7 @@
             </a:ln>
             <a:extLst>
               <a:ext uri="{91240B29-F687-4f45-9708-019B960494DF}">
-                <a14:hiddenLine xmlns="" xmlns:a14="http://schemas.microsoft.com/office/drawing/2010/main" w="9525">
+                <a14:hiddenLine xmlns:a14="http://schemas.microsoft.com/office/drawing/2010/main" xmlns="" w="9525">
                   <a:solidFill>
                     <a:srgbClr val="000000"/>
                   </a:solidFill>
@@ -1760,7 +1760,7 @@
             </a:ln>
             <a:extLst>
               <a:ext uri="{91240B29-F687-4f45-9708-019B960494DF}">
-                <a14:hiddenLine xmlns="" xmlns:a14="http://schemas.microsoft.com/office/drawing/2010/main" w="9525">
+                <a14:hiddenLine xmlns:a14="http://schemas.microsoft.com/office/drawing/2010/main" xmlns="" w="9525">
                   <a:solidFill>
                     <a:srgbClr val="000000"/>
                   </a:solidFill>
@@ -1850,7 +1850,7 @@
             </a:ln>
             <a:extLst>
               <a:ext uri="{91240B29-F687-4f45-9708-019B960494DF}">
-                <a14:hiddenLine xmlns="" xmlns:a14="http://schemas.microsoft.com/office/drawing/2010/main" w="9525">
+                <a14:hiddenLine xmlns:a14="http://schemas.microsoft.com/office/drawing/2010/main" xmlns="" w="9525">
                   <a:solidFill>
                     <a:srgbClr val="000000"/>
                   </a:solidFill>
@@ -1906,7 +1906,7 @@
             </a:ln>
             <a:extLst>
               <a:ext uri="{91240B29-F687-4f45-9708-019B960494DF}">
-                <a14:hiddenLine xmlns="" xmlns:a14="http://schemas.microsoft.com/office/drawing/2010/main" w="9525">
+                <a14:hiddenLine xmlns:a14="http://schemas.microsoft.com/office/drawing/2010/main" xmlns="" w="9525">
                   <a:solidFill>
                     <a:srgbClr val="000000"/>
                   </a:solidFill>
@@ -1996,7 +1996,7 @@
             </a:ln>
             <a:extLst>
               <a:ext uri="{91240B29-F687-4f45-9708-019B960494DF}">
-                <a14:hiddenLine xmlns="" xmlns:a14="http://schemas.microsoft.com/office/drawing/2010/main" w="9525">
+                <a14:hiddenLine xmlns:a14="http://schemas.microsoft.com/office/drawing/2010/main" xmlns="" w="9525">
                   <a:solidFill>
                     <a:srgbClr val="000000"/>
                   </a:solidFill>
@@ -2064,7 +2064,7 @@
             </a:ln>
             <a:extLst>
               <a:ext uri="{91240B29-F687-4f45-9708-019B960494DF}">
-                <a14:hiddenLine xmlns="" xmlns:a14="http://schemas.microsoft.com/office/drawing/2010/main" w="9525">
+                <a14:hiddenLine xmlns:a14="http://schemas.microsoft.com/office/drawing/2010/main" xmlns="" w="9525">
                   <a:solidFill>
                     <a:srgbClr val="000000"/>
                   </a:solidFill>
@@ -2154,7 +2154,7 @@
             </a:ln>
             <a:extLst>
               <a:ext uri="{91240B29-F687-4f45-9708-019B960494DF}">
-                <a14:hiddenLine xmlns="" xmlns:a14="http://schemas.microsoft.com/office/drawing/2010/main" w="9525">
+                <a14:hiddenLine xmlns:a14="http://schemas.microsoft.com/office/drawing/2010/main" xmlns="" w="9525">
                   <a:solidFill>
                     <a:srgbClr val="000000"/>
                   </a:solidFill>
@@ -2222,7 +2222,7 @@
             </a:ln>
             <a:extLst>
               <a:ext uri="{91240B29-F687-4f45-9708-019B960494DF}">
-                <a14:hiddenLine xmlns="" xmlns:a14="http://schemas.microsoft.com/office/drawing/2010/main" w="9525">
+                <a14:hiddenLine xmlns:a14="http://schemas.microsoft.com/office/drawing/2010/main" xmlns="" w="9525">
                   <a:solidFill>
                     <a:srgbClr val="000000"/>
                   </a:solidFill>
@@ -2312,7 +2312,7 @@
             </a:ln>
             <a:extLst>
               <a:ext uri="{91240B29-F687-4f45-9708-019B960494DF}">
-                <a14:hiddenLine xmlns="" xmlns:a14="http://schemas.microsoft.com/office/drawing/2010/main" w="9525">
+                <a14:hiddenLine xmlns:a14="http://schemas.microsoft.com/office/drawing/2010/main" xmlns="" w="9525">
                   <a:solidFill>
                     <a:srgbClr val="000000"/>
                   </a:solidFill>
@@ -2346,7 +2346,7 @@
             </a:ln>
             <a:extLst>
               <a:ext uri="{91240B29-F687-4f45-9708-019B960494DF}">
-                <a14:hiddenLine xmlns="" xmlns:a14="http://schemas.microsoft.com/office/drawing/2010/main" w="9525">
+                <a14:hiddenLine xmlns:a14="http://schemas.microsoft.com/office/drawing/2010/main" xmlns="" w="9525">
                   <a:solidFill>
                     <a:srgbClr val="000000"/>
                   </a:solidFill>
@@ -2436,7 +2436,7 @@
             </a:ln>
             <a:extLst>
               <a:ext uri="{91240B29-F687-4f45-9708-019B960494DF}">
-                <a14:hiddenLine xmlns="" xmlns:a14="http://schemas.microsoft.com/office/drawing/2010/main" w="9525">
+                <a14:hiddenLine xmlns:a14="http://schemas.microsoft.com/office/drawing/2010/main" xmlns="" w="9525">
                   <a:solidFill>
                     <a:srgbClr val="000000"/>
                   </a:solidFill>
@@ -2498,7 +2498,7 @@
             </a:ln>
             <a:extLst>
               <a:ext uri="{91240B29-F687-4f45-9708-019B960494DF}">
-                <a14:hiddenLine xmlns="" xmlns:a14="http://schemas.microsoft.com/office/drawing/2010/main" w="9525">
+                <a14:hiddenLine xmlns:a14="http://schemas.microsoft.com/office/drawing/2010/main" xmlns="" w="9525">
                   <a:solidFill>
                     <a:srgbClr val="000000"/>
                   </a:solidFill>
@@ -2560,7 +2560,7 @@
             </a:ln>
             <a:extLst>
               <a:ext uri="{91240B29-F687-4f45-9708-019B960494DF}">
-                <a14:hiddenLine xmlns="" xmlns:a14="http://schemas.microsoft.com/office/drawing/2010/main" w="9525">
+                <a14:hiddenLine xmlns:a14="http://schemas.microsoft.com/office/drawing/2010/main" xmlns="" w="9525">
                   <a:solidFill>
                     <a:srgbClr val="000000"/>
                   </a:solidFill>
@@ -2650,7 +2650,7 @@
             </a:ln>
             <a:extLst>
               <a:ext uri="{91240B29-F687-4f45-9708-019B960494DF}">
-                <a14:hiddenLine xmlns="" xmlns:a14="http://schemas.microsoft.com/office/drawing/2010/main" w="9525">
+                <a14:hiddenLine xmlns:a14="http://schemas.microsoft.com/office/drawing/2010/main" xmlns="" w="9525">
                   <a:solidFill>
                     <a:srgbClr val="000000"/>
                   </a:solidFill>
@@ -2718,7 +2718,7 @@
             </a:ln>
             <a:extLst>
               <a:ext uri="{91240B29-F687-4f45-9708-019B960494DF}">
-                <a14:hiddenLine xmlns="" xmlns:a14="http://schemas.microsoft.com/office/drawing/2010/main" w="9525">
+                <a14:hiddenLine xmlns:a14="http://schemas.microsoft.com/office/drawing/2010/main" xmlns="" w="9525">
                   <a:solidFill>
                     <a:srgbClr val="000000"/>
                   </a:solidFill>
@@ -2780,7 +2780,7 @@
             </a:ln>
             <a:extLst>
               <a:ext uri="{91240B29-F687-4f45-9708-019B960494DF}">
-                <a14:hiddenLine xmlns="" xmlns:a14="http://schemas.microsoft.com/office/drawing/2010/main" w="9525">
+                <a14:hiddenLine xmlns:a14="http://schemas.microsoft.com/office/drawing/2010/main" xmlns="" w="9525">
                   <a:solidFill>
                     <a:srgbClr val="000000"/>
                   </a:solidFill>
@@ -2870,7 +2870,7 @@
             </a:ln>
             <a:extLst>
               <a:ext uri="{91240B29-F687-4f45-9708-019B960494DF}">
-                <a14:hiddenLine xmlns="" xmlns:a14="http://schemas.microsoft.com/office/drawing/2010/main" w="9525">
+                <a14:hiddenLine xmlns:a14="http://schemas.microsoft.com/office/drawing/2010/main" xmlns="" w="9525">
                   <a:solidFill>
                     <a:srgbClr val="000000"/>
                   </a:solidFill>
@@ -2932,7 +2932,7 @@
             </a:ln>
             <a:extLst>
               <a:ext uri="{91240B29-F687-4f45-9708-019B960494DF}">
-                <a14:hiddenLine xmlns="" xmlns:a14="http://schemas.microsoft.com/office/drawing/2010/main" w="9525">
+                <a14:hiddenLine xmlns:a14="http://schemas.microsoft.com/office/drawing/2010/main" xmlns="" w="9525">
                   <a:solidFill>
                     <a:srgbClr val="000000"/>
                   </a:solidFill>
@@ -3022,7 +3022,7 @@
             </a:ln>
             <a:extLst>
               <a:ext uri="{91240B29-F687-4f45-9708-019B960494DF}">
-                <a14:hiddenLine xmlns="" xmlns:a14="http://schemas.microsoft.com/office/drawing/2010/main" w="9525">
+                <a14:hiddenLine xmlns:a14="http://schemas.microsoft.com/office/drawing/2010/main" xmlns="" w="9525">
                   <a:solidFill>
                     <a:srgbClr val="000000"/>
                   </a:solidFill>
@@ -3084,7 +3084,7 @@
             </a:ln>
             <a:extLst>
               <a:ext uri="{91240B29-F687-4f45-9708-019B960494DF}">
-                <a14:hiddenLine xmlns="" xmlns:a14="http://schemas.microsoft.com/office/drawing/2010/main" w="9525">
+                <a14:hiddenLine xmlns:a14="http://schemas.microsoft.com/office/drawing/2010/main" xmlns="" w="9525">
                   <a:solidFill>
                     <a:srgbClr val="000000"/>
                   </a:solidFill>
@@ -3174,7 +3174,7 @@
             </a:ln>
             <a:extLst>
               <a:ext uri="{91240B29-F687-4f45-9708-019B960494DF}">
-                <a14:hiddenLine xmlns="" xmlns:a14="http://schemas.microsoft.com/office/drawing/2010/main" w="9525">
+                <a14:hiddenLine xmlns:a14="http://schemas.microsoft.com/office/drawing/2010/main" xmlns="" w="9525">
                   <a:solidFill>
                     <a:srgbClr val="000000"/>
                   </a:solidFill>
@@ -3208,7 +3208,7 @@
             </a:ln>
             <a:extLst>
               <a:ext uri="{91240B29-F687-4f45-9708-019B960494DF}">
-                <a14:hiddenLine xmlns="" xmlns:a14="http://schemas.microsoft.com/office/drawing/2010/main" w="9525">
+                <a14:hiddenLine xmlns:a14="http://schemas.microsoft.com/office/drawing/2010/main" xmlns="" w="9525">
                   <a:solidFill>
                     <a:srgbClr val="000000"/>
                   </a:solidFill>
@@ -3273,7 +3273,7 @@
             </a:ln>
             <a:extLst>
               <a:ext uri="{91240B29-F687-4f45-9708-019B960494DF}">
-                <a14:hiddenLine xmlns="" xmlns:a14="http://schemas.microsoft.com/office/drawing/2010/main" w="9525">
+                <a14:hiddenLine xmlns:a14="http://schemas.microsoft.com/office/drawing/2010/main" xmlns="" w="9525">
                   <a:solidFill>
                     <a:srgbClr val="000000"/>
                   </a:solidFill>
@@ -3363,7 +3363,7 @@
             </a:ln>
             <a:extLst>
               <a:ext uri="{91240B29-F687-4f45-9708-019B960494DF}">
-                <a14:hiddenLine xmlns="" xmlns:a14="http://schemas.microsoft.com/office/drawing/2010/main" w="9525">
+                <a14:hiddenLine xmlns:a14="http://schemas.microsoft.com/office/drawing/2010/main" xmlns="" w="9525">
                   <a:solidFill>
                     <a:srgbClr val="000000"/>
                   </a:solidFill>
@@ -3425,7 +3425,7 @@
             </a:ln>
             <a:extLst>
               <a:ext uri="{91240B29-F687-4f45-9708-019B960494DF}">
-                <a14:hiddenLine xmlns="" xmlns:a14="http://schemas.microsoft.com/office/drawing/2010/main" w="9525">
+                <a14:hiddenLine xmlns:a14="http://schemas.microsoft.com/office/drawing/2010/main" xmlns="" w="9525">
                   <a:solidFill>
                     <a:srgbClr val="000000"/>
                   </a:solidFill>
@@ -3515,7 +3515,7 @@
             </a:ln>
             <a:extLst>
               <a:ext uri="{91240B29-F687-4f45-9708-019B960494DF}">
-                <a14:hiddenLine xmlns="" xmlns:a14="http://schemas.microsoft.com/office/drawing/2010/main" w="9525">
+                <a14:hiddenLine xmlns:a14="http://schemas.microsoft.com/office/drawing/2010/main" xmlns="" w="9525">
                   <a:solidFill>
                     <a:srgbClr val="000000"/>
                   </a:solidFill>
@@ -3605,7 +3605,7 @@
             </a:ln>
             <a:extLst>
               <a:ext uri="{91240B29-F687-4f45-9708-019B960494DF}">
-                <a14:hiddenLine xmlns="" xmlns:a14="http://schemas.microsoft.com/office/drawing/2010/main" w="9525">
+                <a14:hiddenLine xmlns:a14="http://schemas.microsoft.com/office/drawing/2010/main" xmlns="" w="9525">
                   <a:solidFill>
                     <a:srgbClr val="000000"/>
                   </a:solidFill>
@@ -3670,7 +3670,7 @@
             </a:ln>
             <a:extLst>
               <a:ext uri="{91240B29-F687-4f45-9708-019B960494DF}">
-                <a14:hiddenLine xmlns="" xmlns:a14="http://schemas.microsoft.com/office/drawing/2010/main" w="9525">
+                <a14:hiddenLine xmlns:a14="http://schemas.microsoft.com/office/drawing/2010/main" xmlns="" w="9525">
                   <a:solidFill>
                     <a:srgbClr val="000000"/>
                   </a:solidFill>
@@ -3732,7 +3732,7 @@
             </a:ln>
             <a:extLst>
               <a:ext uri="{91240B29-F687-4f45-9708-019B960494DF}">
-                <a14:hiddenLine xmlns="" xmlns:a14="http://schemas.microsoft.com/office/drawing/2010/main" w="9525">
+                <a14:hiddenLine xmlns:a14="http://schemas.microsoft.com/office/drawing/2010/main" xmlns="" w="9525">
                   <a:solidFill>
                     <a:srgbClr val="000000"/>
                   </a:solidFill>
@@ -3822,7 +3822,7 @@
             </a:ln>
             <a:extLst>
               <a:ext uri="{91240B29-F687-4f45-9708-019B960494DF}">
-                <a14:hiddenLine xmlns="" xmlns:a14="http://schemas.microsoft.com/office/drawing/2010/main" w="9525">
+                <a14:hiddenLine xmlns:a14="http://schemas.microsoft.com/office/drawing/2010/main" xmlns="" w="9525">
                   <a:solidFill>
                     <a:srgbClr val="000000"/>
                   </a:solidFill>
@@ -3912,7 +3912,7 @@
             </a:ln>
             <a:extLst>
               <a:ext uri="{91240B29-F687-4f45-9708-019B960494DF}">
-                <a14:hiddenLine xmlns="" xmlns:a14="http://schemas.microsoft.com/office/drawing/2010/main" w="9525">
+                <a14:hiddenLine xmlns:a14="http://schemas.microsoft.com/office/drawing/2010/main" xmlns="" w="9525">
                   <a:solidFill>
                     <a:srgbClr val="000000"/>
                   </a:solidFill>
@@ -3974,7 +3974,7 @@
             </a:ln>
             <a:extLst>
               <a:ext uri="{91240B29-F687-4f45-9708-019B960494DF}">
-                <a14:hiddenLine xmlns="" xmlns:a14="http://schemas.microsoft.com/office/drawing/2010/main" w="9525">
+                <a14:hiddenLine xmlns:a14="http://schemas.microsoft.com/office/drawing/2010/main" xmlns="" w="9525">
                   <a:solidFill>
                     <a:srgbClr val="000000"/>
                   </a:solidFill>
@@ -4094,7 +4094,7 @@
             </a:ln>
             <a:extLst>
               <a:ext uri="{91240B29-F687-4f45-9708-019B960494DF}">
-                <a14:hiddenLine xmlns="" xmlns:a14="http://schemas.microsoft.com/office/drawing/2010/main" w="9525">
+                <a14:hiddenLine xmlns:a14="http://schemas.microsoft.com/office/drawing/2010/main" xmlns="" w="9525">
                   <a:solidFill>
                     <a:srgbClr val="000000"/>
                   </a:solidFill>
@@ -4162,7 +4162,7 @@
             </a:ln>
             <a:extLst>
               <a:ext uri="{91240B29-F687-4f45-9708-019B960494DF}">
-                <a14:hiddenLine xmlns="" xmlns:a14="http://schemas.microsoft.com/office/drawing/2010/main" w="9525">
+                <a14:hiddenLine xmlns:a14="http://schemas.microsoft.com/office/drawing/2010/main" xmlns="" w="9525">
                   <a:solidFill>
                     <a:srgbClr val="000000"/>
                   </a:solidFill>
@@ -4252,7 +4252,7 @@
             </a:ln>
             <a:extLst>
               <a:ext uri="{91240B29-F687-4f45-9708-019B960494DF}">
-                <a14:hiddenLine xmlns="" xmlns:a14="http://schemas.microsoft.com/office/drawing/2010/main" w="9525">
+                <a14:hiddenLine xmlns:a14="http://schemas.microsoft.com/office/drawing/2010/main" xmlns="" w="9525">
                   <a:solidFill>
                     <a:srgbClr val="000000"/>
                   </a:solidFill>
@@ -4392,7 +4392,7 @@
           <a:p>
             <a:fld id="{48A87A34-81AB-432B-8DAE-1953F412C126}" type="datetimeFigureOut">
               <a:rPr lang="en-US" dirty="0"/>
-              <a:t>4/21/2017</a:t>
+              <a:t>4/21/17</a:t>
             </a:fld>
             <a:endParaRPr lang="en-US" dirty="0"/>
           </a:p>
@@ -4654,7 +4654,7 @@
           <a:p>
             <a:fld id="{48A87A34-81AB-432B-8DAE-1953F412C126}" type="datetimeFigureOut">
               <a:rPr lang="en-US" dirty="0"/>
-              <a:t>4/21/2017</a:t>
+              <a:t>4/21/17</a:t>
             </a:fld>
             <a:endParaRPr lang="en-US" dirty="0"/>
           </a:p>
@@ -4845,7 +4845,7 @@
           <a:p>
             <a:fld id="{48A87A34-81AB-432B-8DAE-1953F412C126}" type="datetimeFigureOut">
               <a:rPr lang="en-US" dirty="0"/>
-              <a:t>4/21/2017</a:t>
+              <a:t>4/21/17</a:t>
             </a:fld>
             <a:endParaRPr lang="en-US" dirty="0"/>
           </a:p>
@@ -5103,7 +5103,7 @@
           <a:p>
             <a:fld id="{48A87A34-81AB-432B-8DAE-1953F412C126}" type="datetimeFigureOut">
               <a:rPr lang="en-US" dirty="0"/>
-              <a:t>4/21/2017</a:t>
+              <a:t>4/21/17</a:t>
             </a:fld>
             <a:endParaRPr lang="en-US" dirty="0"/>
           </a:p>
@@ -5532,7 +5532,7 @@
           <a:p>
             <a:fld id="{48A87A34-81AB-432B-8DAE-1953F412C126}" type="datetimeFigureOut">
               <a:rPr lang="en-US" dirty="0"/>
-              <a:t>4/21/2017</a:t>
+              <a:t>4/21/17</a:t>
             </a:fld>
             <a:endParaRPr lang="en-US" dirty="0"/>
           </a:p>
@@ -6073,7 +6073,7 @@
           <a:p>
             <a:fld id="{48A87A34-81AB-432B-8DAE-1953F412C126}" type="datetimeFigureOut">
               <a:rPr lang="en-US" dirty="0"/>
-              <a:t>4/21/2017</a:t>
+              <a:t>4/21/17</a:t>
             </a:fld>
             <a:endParaRPr lang="en-US" dirty="0"/>
           </a:p>
@@ -6788,7 +6788,7 @@
           <a:p>
             <a:fld id="{48A87A34-81AB-432B-8DAE-1953F412C126}" type="datetimeFigureOut">
               <a:rPr lang="en-US" dirty="0"/>
-              <a:t>4/21/2017</a:t>
+              <a:t>4/21/17</a:t>
             </a:fld>
             <a:endParaRPr lang="en-US" dirty="0"/>
           </a:p>
@@ -6953,7 +6953,7 @@
           <a:p>
             <a:fld id="{48A87A34-81AB-432B-8DAE-1953F412C126}" type="datetimeFigureOut">
               <a:rPr lang="en-US" dirty="0"/>
-              <a:t>4/21/2017</a:t>
+              <a:t>4/21/17</a:t>
             </a:fld>
             <a:endParaRPr lang="en-US" dirty="0"/>
           </a:p>
@@ -7128,7 +7128,7 @@
           <a:p>
             <a:fld id="{48A87A34-81AB-432B-8DAE-1953F412C126}" type="datetimeFigureOut">
               <a:rPr lang="en-US" dirty="0"/>
-              <a:t>4/21/2017</a:t>
+              <a:t>4/21/17</a:t>
             </a:fld>
             <a:endParaRPr lang="en-US" dirty="0"/>
           </a:p>
@@ -7293,7 +7293,7 @@
           <a:p>
             <a:fld id="{48A87A34-81AB-432B-8DAE-1953F412C126}" type="datetimeFigureOut">
               <a:rPr lang="en-US" dirty="0"/>
-              <a:t>4/21/2017</a:t>
+              <a:t>4/21/17</a:t>
             </a:fld>
             <a:endParaRPr lang="en-US" dirty="0"/>
           </a:p>
@@ -7538,7 +7538,7 @@
           <a:p>
             <a:fld id="{48A87A34-81AB-432B-8DAE-1953F412C126}" type="datetimeFigureOut">
               <a:rPr lang="en-US" dirty="0"/>
-              <a:t>4/21/2017</a:t>
+              <a:t>4/21/17</a:t>
             </a:fld>
             <a:endParaRPr lang="en-US" dirty="0"/>
           </a:p>
@@ -7765,7 +7765,7 @@
           <a:p>
             <a:fld id="{48A87A34-81AB-432B-8DAE-1953F412C126}" type="datetimeFigureOut">
               <a:rPr lang="en-US" dirty="0"/>
-              <a:t>4/21/2017</a:t>
+              <a:t>4/21/17</a:t>
             </a:fld>
             <a:endParaRPr lang="en-US" dirty="0"/>
           </a:p>
@@ -8141,7 +8141,7 @@
           <a:p>
             <a:fld id="{48A87A34-81AB-432B-8DAE-1953F412C126}" type="datetimeFigureOut">
               <a:rPr lang="en-US" dirty="0"/>
-              <a:t>4/21/2017</a:t>
+              <a:t>4/21/17</a:t>
             </a:fld>
             <a:endParaRPr lang="en-US" dirty="0"/>
           </a:p>
@@ -8254,7 +8254,7 @@
           <a:p>
             <a:fld id="{48A87A34-81AB-432B-8DAE-1953F412C126}" type="datetimeFigureOut">
               <a:rPr lang="en-US" dirty="0"/>
-              <a:t>4/21/2017</a:t>
+              <a:t>4/21/17</a:t>
             </a:fld>
             <a:endParaRPr lang="en-US" dirty="0"/>
           </a:p>
@@ -8344,7 +8344,7 @@
           <a:p>
             <a:fld id="{48A87A34-81AB-432B-8DAE-1953F412C126}" type="datetimeFigureOut">
               <a:rPr lang="en-US" dirty="0"/>
-              <a:t>4/21/2017</a:t>
+              <a:t>4/21/17</a:t>
             </a:fld>
             <a:endParaRPr lang="en-US" dirty="0"/>
           </a:p>
@@ -8588,7 +8588,7 @@
           <a:p>
             <a:fld id="{48A87A34-81AB-432B-8DAE-1953F412C126}" type="datetimeFigureOut">
               <a:rPr lang="en-US" dirty="0"/>
-              <a:t>4/21/2017</a:t>
+              <a:t>4/21/17</a:t>
             </a:fld>
             <a:endParaRPr lang="en-US" dirty="0"/>
           </a:p>
@@ -8863,7 +8863,7 @@
           <a:p>
             <a:fld id="{48A87A34-81AB-432B-8DAE-1953F412C126}" type="datetimeFigureOut">
               <a:rPr lang="en-US" dirty="0"/>
-              <a:t>4/21/2017</a:t>
+              <a:t>4/21/17</a:t>
             </a:fld>
             <a:endParaRPr lang="en-US" dirty="0"/>
           </a:p>
@@ -8974,7 +8974,7 @@
           <a:noFill/>
           <a:extLst>
             <a:ext uri="{909E8E84-426E-40dd-AFC4-6F175D3DCCD1}">
-              <a14:hiddenFill xmlns="" xmlns:a14="http://schemas.microsoft.com/office/drawing/2010/main">
+              <a14:hiddenFill xmlns:a14="http://schemas.microsoft.com/office/drawing/2010/main" xmlns="">
                 <a:solidFill>
                   <a:srgbClr val="FFFFFF"/>
                 </a:solidFill>
@@ -9048,7 +9048,7 @@
               </a:ln>
               <a:extLst>
                 <a:ext uri="{91240B29-F687-4f45-9708-019B960494DF}">
-                  <a14:hiddenLine xmlns="" xmlns:a14="http://schemas.microsoft.com/office/drawing/2010/main" w="9525">
+                  <a14:hiddenLine xmlns:a14="http://schemas.microsoft.com/office/drawing/2010/main" xmlns="" w="9525">
                     <a:solidFill>
                       <a:srgbClr val="000000"/>
                     </a:solidFill>
@@ -9138,7 +9138,7 @@
               </a:ln>
               <a:extLst>
                 <a:ext uri="{91240B29-F687-4f45-9708-019B960494DF}">
-                  <a14:hiddenLine xmlns="" xmlns:a14="http://schemas.microsoft.com/office/drawing/2010/main" w="9525">
+                  <a14:hiddenLine xmlns:a14="http://schemas.microsoft.com/office/drawing/2010/main" xmlns="" w="9525">
                     <a:solidFill>
                       <a:srgbClr val="000000"/>
                     </a:solidFill>
@@ -9228,7 +9228,7 @@
               </a:ln>
               <a:extLst>
                 <a:ext uri="{91240B29-F687-4f45-9708-019B960494DF}">
-                  <a14:hiddenLine xmlns="" xmlns:a14="http://schemas.microsoft.com/office/drawing/2010/main" w="9525">
+                  <a14:hiddenLine xmlns:a14="http://schemas.microsoft.com/office/drawing/2010/main" xmlns="" w="9525">
                     <a:solidFill>
                       <a:srgbClr val="000000"/>
                     </a:solidFill>
@@ -9290,7 +9290,7 @@
               </a:ln>
               <a:extLst>
                 <a:ext uri="{91240B29-F687-4f45-9708-019B960494DF}">
-                  <a14:hiddenLine xmlns="" xmlns:a14="http://schemas.microsoft.com/office/drawing/2010/main" w="9525">
+                  <a14:hiddenLine xmlns:a14="http://schemas.microsoft.com/office/drawing/2010/main" xmlns="" w="9525">
                     <a:solidFill>
                       <a:srgbClr val="000000"/>
                     </a:solidFill>
@@ -9380,7 +9380,7 @@
               </a:ln>
               <a:extLst>
                 <a:ext uri="{91240B29-F687-4f45-9708-019B960494DF}">
-                  <a14:hiddenLine xmlns="" xmlns:a14="http://schemas.microsoft.com/office/drawing/2010/main" w="9525">
+                  <a14:hiddenLine xmlns:a14="http://schemas.microsoft.com/office/drawing/2010/main" xmlns="" w="9525">
                     <a:solidFill>
                       <a:srgbClr val="000000"/>
                     </a:solidFill>
@@ -9442,7 +9442,7 @@
               </a:ln>
               <a:extLst>
                 <a:ext uri="{91240B29-F687-4f45-9708-019B960494DF}">
-                  <a14:hiddenLine xmlns="" xmlns:a14="http://schemas.microsoft.com/office/drawing/2010/main" w="9525">
+                  <a14:hiddenLine xmlns:a14="http://schemas.microsoft.com/office/drawing/2010/main" xmlns="" w="9525">
                     <a:solidFill>
                       <a:srgbClr val="000000"/>
                     </a:solidFill>
@@ -9504,7 +9504,7 @@
               </a:ln>
               <a:extLst>
                 <a:ext uri="{91240B29-F687-4f45-9708-019B960494DF}">
-                  <a14:hiddenLine xmlns="" xmlns:a14="http://schemas.microsoft.com/office/drawing/2010/main" w="9525">
+                  <a14:hiddenLine xmlns:a14="http://schemas.microsoft.com/office/drawing/2010/main" xmlns="" w="9525">
                     <a:solidFill>
                       <a:srgbClr val="000000"/>
                     </a:solidFill>
@@ -9594,7 +9594,7 @@
               </a:ln>
               <a:extLst>
                 <a:ext uri="{91240B29-F687-4f45-9708-019B960494DF}">
-                  <a14:hiddenLine xmlns="" xmlns:a14="http://schemas.microsoft.com/office/drawing/2010/main" w="9525">
+                  <a14:hiddenLine xmlns:a14="http://schemas.microsoft.com/office/drawing/2010/main" xmlns="" w="9525">
                     <a:solidFill>
                       <a:srgbClr val="000000"/>
                     </a:solidFill>
@@ -9684,7 +9684,7 @@
               </a:ln>
               <a:extLst>
                 <a:ext uri="{91240B29-F687-4f45-9708-019B960494DF}">
-                  <a14:hiddenLine xmlns="" xmlns:a14="http://schemas.microsoft.com/office/drawing/2010/main" w="9525">
+                  <a14:hiddenLine xmlns:a14="http://schemas.microsoft.com/office/drawing/2010/main" xmlns="" w="9525">
                     <a:solidFill>
                       <a:srgbClr val="000000"/>
                     </a:solidFill>
@@ -9746,7 +9746,7 @@
               </a:ln>
               <a:extLst>
                 <a:ext uri="{91240B29-F687-4f45-9708-019B960494DF}">
-                  <a14:hiddenLine xmlns="" xmlns:a14="http://schemas.microsoft.com/office/drawing/2010/main" w="9525">
+                  <a14:hiddenLine xmlns:a14="http://schemas.microsoft.com/office/drawing/2010/main" xmlns="" w="9525">
                     <a:solidFill>
                       <a:srgbClr val="000000"/>
                     </a:solidFill>
@@ -9856,7 +9856,7 @@
               </a:ln>
               <a:extLst>
                 <a:ext uri="{91240B29-F687-4f45-9708-019B960494DF}">
-                  <a14:hiddenLine xmlns="" xmlns:a14="http://schemas.microsoft.com/office/drawing/2010/main" w="9525">
+                  <a14:hiddenLine xmlns:a14="http://schemas.microsoft.com/office/drawing/2010/main" xmlns="" w="9525">
                     <a:solidFill>
                       <a:srgbClr val="000000"/>
                     </a:solidFill>
@@ -9940,7 +9940,7 @@
               </a:ln>
               <a:extLst>
                 <a:ext uri="{91240B29-F687-4f45-9708-019B960494DF}">
-                  <a14:hiddenLine xmlns="" xmlns:a14="http://schemas.microsoft.com/office/drawing/2010/main" w="9525">
+                  <a14:hiddenLine xmlns:a14="http://schemas.microsoft.com/office/drawing/2010/main" xmlns="" w="9525">
                     <a:solidFill>
                       <a:srgbClr val="000000"/>
                     </a:solidFill>
@@ -10002,7 +10002,7 @@
               </a:ln>
               <a:extLst>
                 <a:ext uri="{91240B29-F687-4f45-9708-019B960494DF}">
-                  <a14:hiddenLine xmlns="" xmlns:a14="http://schemas.microsoft.com/office/drawing/2010/main" w="9525">
+                  <a14:hiddenLine xmlns:a14="http://schemas.microsoft.com/office/drawing/2010/main" xmlns="" w="9525">
                     <a:solidFill>
                       <a:srgbClr val="000000"/>
                     </a:solidFill>
@@ -10064,7 +10064,7 @@
               </a:ln>
               <a:extLst>
                 <a:ext uri="{91240B29-F687-4f45-9708-019B960494DF}">
-                  <a14:hiddenLine xmlns="" xmlns:a14="http://schemas.microsoft.com/office/drawing/2010/main" w="9525">
+                  <a14:hiddenLine xmlns:a14="http://schemas.microsoft.com/office/drawing/2010/main" xmlns="" w="9525">
                     <a:solidFill>
                       <a:srgbClr val="000000"/>
                     </a:solidFill>
@@ -10154,7 +10154,7 @@
               </a:ln>
               <a:extLst>
                 <a:ext uri="{91240B29-F687-4f45-9708-019B960494DF}">
-                  <a14:hiddenLine xmlns="" xmlns:a14="http://schemas.microsoft.com/office/drawing/2010/main" w="9525">
+                  <a14:hiddenLine xmlns:a14="http://schemas.microsoft.com/office/drawing/2010/main" xmlns="" w="9525">
                     <a:solidFill>
                       <a:srgbClr val="000000"/>
                     </a:solidFill>
@@ -10188,7 +10188,7 @@
               </a:ln>
               <a:extLst>
                 <a:ext uri="{91240B29-F687-4f45-9708-019B960494DF}">
-                  <a14:hiddenLine xmlns="" xmlns:a14="http://schemas.microsoft.com/office/drawing/2010/main" w="9525">
+                  <a14:hiddenLine xmlns:a14="http://schemas.microsoft.com/office/drawing/2010/main" xmlns="" w="9525">
                     <a:solidFill>
                       <a:srgbClr val="000000"/>
                     </a:solidFill>
@@ -10253,7 +10253,7 @@
               </a:ln>
               <a:extLst>
                 <a:ext uri="{91240B29-F687-4f45-9708-019B960494DF}">
-                  <a14:hiddenLine xmlns="" xmlns:a14="http://schemas.microsoft.com/office/drawing/2010/main" w="9525">
+                  <a14:hiddenLine xmlns:a14="http://schemas.microsoft.com/office/drawing/2010/main" xmlns="" w="9525">
                     <a:solidFill>
                       <a:srgbClr val="000000"/>
                     </a:solidFill>
@@ -10343,7 +10343,7 @@
               </a:ln>
               <a:extLst>
                 <a:ext uri="{91240B29-F687-4f45-9708-019B960494DF}">
-                  <a14:hiddenLine xmlns="" xmlns:a14="http://schemas.microsoft.com/office/drawing/2010/main" w="9525">
+                  <a14:hiddenLine xmlns:a14="http://schemas.microsoft.com/office/drawing/2010/main" xmlns="" w="9525">
                     <a:solidFill>
                       <a:srgbClr val="000000"/>
                     </a:solidFill>
@@ -10405,7 +10405,7 @@
               </a:ln>
               <a:extLst>
                 <a:ext uri="{91240B29-F687-4f45-9708-019B960494DF}">
-                  <a14:hiddenLine xmlns="" xmlns:a14="http://schemas.microsoft.com/office/drawing/2010/main" w="9525">
+                  <a14:hiddenLine xmlns:a14="http://schemas.microsoft.com/office/drawing/2010/main" xmlns="" w="9525">
                     <a:solidFill>
                       <a:srgbClr val="000000"/>
                     </a:solidFill>
@@ -10495,7 +10495,7 @@
               </a:ln>
               <a:extLst>
                 <a:ext uri="{91240B29-F687-4f45-9708-019B960494DF}">
-                  <a14:hiddenLine xmlns="" xmlns:a14="http://schemas.microsoft.com/office/drawing/2010/main" w="9525">
+                  <a14:hiddenLine xmlns:a14="http://schemas.microsoft.com/office/drawing/2010/main" xmlns="" w="9525">
                     <a:solidFill>
                       <a:srgbClr val="000000"/>
                     </a:solidFill>
@@ -10560,7 +10560,7 @@
               </a:ln>
               <a:extLst>
                 <a:ext uri="{91240B29-F687-4f45-9708-019B960494DF}">
-                  <a14:hiddenLine xmlns="" xmlns:a14="http://schemas.microsoft.com/office/drawing/2010/main" w="9525">
+                  <a14:hiddenLine xmlns:a14="http://schemas.microsoft.com/office/drawing/2010/main" xmlns="" w="9525">
                     <a:solidFill>
                       <a:srgbClr val="000000"/>
                     </a:solidFill>
@@ -10622,7 +10622,7 @@
               </a:ln>
               <a:extLst>
                 <a:ext uri="{91240B29-F687-4f45-9708-019B960494DF}">
-                  <a14:hiddenLine xmlns="" xmlns:a14="http://schemas.microsoft.com/office/drawing/2010/main" w="9525">
+                  <a14:hiddenLine xmlns:a14="http://schemas.microsoft.com/office/drawing/2010/main" xmlns="" w="9525">
                     <a:solidFill>
                       <a:srgbClr val="000000"/>
                     </a:solidFill>
@@ -10712,7 +10712,7 @@
               </a:ln>
               <a:extLst>
                 <a:ext uri="{91240B29-F687-4f45-9708-019B960494DF}">
-                  <a14:hiddenLine xmlns="" xmlns:a14="http://schemas.microsoft.com/office/drawing/2010/main" w="9525">
+                  <a14:hiddenLine xmlns:a14="http://schemas.microsoft.com/office/drawing/2010/main" xmlns="" w="9525">
                     <a:solidFill>
                       <a:srgbClr val="000000"/>
                     </a:solidFill>
@@ -10802,7 +10802,7 @@
               </a:ln>
               <a:extLst>
                 <a:ext uri="{91240B29-F687-4f45-9708-019B960494DF}">
-                  <a14:hiddenLine xmlns="" xmlns:a14="http://schemas.microsoft.com/office/drawing/2010/main" w="9525">
+                  <a14:hiddenLine xmlns:a14="http://schemas.microsoft.com/office/drawing/2010/main" xmlns="" w="9525">
                     <a:solidFill>
                       <a:srgbClr val="000000"/>
                     </a:solidFill>
@@ -10867,7 +10867,7 @@
               </a:ln>
               <a:extLst>
                 <a:ext uri="{91240B29-F687-4f45-9708-019B960494DF}">
-                  <a14:hiddenLine xmlns="" xmlns:a14="http://schemas.microsoft.com/office/drawing/2010/main" w="9525">
+                  <a14:hiddenLine xmlns:a14="http://schemas.microsoft.com/office/drawing/2010/main" xmlns="" w="9525">
                     <a:solidFill>
                       <a:srgbClr val="000000"/>
                     </a:solidFill>
@@ -10987,7 +10987,7 @@
               </a:ln>
               <a:extLst>
                 <a:ext uri="{91240B29-F687-4f45-9708-019B960494DF}">
-                  <a14:hiddenLine xmlns="" xmlns:a14="http://schemas.microsoft.com/office/drawing/2010/main" w="9525">
+                  <a14:hiddenLine xmlns:a14="http://schemas.microsoft.com/office/drawing/2010/main" xmlns="" w="9525">
                     <a:solidFill>
                       <a:srgbClr val="000000"/>
                     </a:solidFill>
@@ -11085,7 +11085,7 @@
               </a:ln>
               <a:extLst>
                 <a:ext uri="{91240B29-F687-4f45-9708-019B960494DF}">
-                  <a14:hiddenLine xmlns="" xmlns:a14="http://schemas.microsoft.com/office/drawing/2010/main" w="9525">
+                  <a14:hiddenLine xmlns:a14="http://schemas.microsoft.com/office/drawing/2010/main" xmlns="" w="9525">
                     <a:solidFill>
                       <a:srgbClr val="000000"/>
                     </a:solidFill>
@@ -11200,7 +11200,7 @@
               </a:ln>
               <a:extLst>
                 <a:ext uri="{91240B29-F687-4f45-9708-019B960494DF}">
-                  <a14:hiddenLine xmlns="" xmlns:a14="http://schemas.microsoft.com/office/drawing/2010/main" w="9525">
+                  <a14:hiddenLine xmlns:a14="http://schemas.microsoft.com/office/drawing/2010/main" xmlns="" w="9525">
                     <a:solidFill>
                       <a:srgbClr val="000000"/>
                     </a:solidFill>
@@ -11290,7 +11290,7 @@
               </a:ln>
               <a:extLst>
                 <a:ext uri="{91240B29-F687-4f45-9708-019B960494DF}">
-                  <a14:hiddenLine xmlns="" xmlns:a14="http://schemas.microsoft.com/office/drawing/2010/main" w="9525">
+                  <a14:hiddenLine xmlns:a14="http://schemas.microsoft.com/office/drawing/2010/main" xmlns="" w="9525">
                     <a:solidFill>
                       <a:srgbClr val="000000"/>
                     </a:solidFill>
@@ -11355,7 +11355,7 @@
               </a:ln>
               <a:extLst>
                 <a:ext uri="{91240B29-F687-4f45-9708-019B960494DF}">
-                  <a14:hiddenLine xmlns="" xmlns:a14="http://schemas.microsoft.com/office/drawing/2010/main" w="9525">
+                  <a14:hiddenLine xmlns:a14="http://schemas.microsoft.com/office/drawing/2010/main" xmlns="" w="9525">
                     <a:solidFill>
                       <a:srgbClr val="000000"/>
                     </a:solidFill>
@@ -11445,7 +11445,7 @@
               </a:ln>
               <a:extLst>
                 <a:ext uri="{91240B29-F687-4f45-9708-019B960494DF}">
-                  <a14:hiddenLine xmlns="" xmlns:a14="http://schemas.microsoft.com/office/drawing/2010/main" w="9525">
+                  <a14:hiddenLine xmlns:a14="http://schemas.microsoft.com/office/drawing/2010/main" xmlns="" w="9525">
                     <a:solidFill>
                       <a:srgbClr val="000000"/>
                     </a:solidFill>
@@ -11513,7 +11513,7 @@
               </a:ln>
               <a:extLst>
                 <a:ext uri="{91240B29-F687-4f45-9708-019B960494DF}">
-                  <a14:hiddenLine xmlns="" xmlns:a14="http://schemas.microsoft.com/office/drawing/2010/main" w="9525">
+                  <a14:hiddenLine xmlns:a14="http://schemas.microsoft.com/office/drawing/2010/main" xmlns="" w="9525">
                     <a:solidFill>
                       <a:srgbClr val="000000"/>
                     </a:solidFill>
@@ -11603,7 +11603,7 @@
               </a:ln>
               <a:extLst>
                 <a:ext uri="{91240B29-F687-4f45-9708-019B960494DF}">
-                  <a14:hiddenLine xmlns="" xmlns:a14="http://schemas.microsoft.com/office/drawing/2010/main" w="9525">
+                  <a14:hiddenLine xmlns:a14="http://schemas.microsoft.com/office/drawing/2010/main" xmlns="" w="9525">
                     <a:solidFill>
                       <a:srgbClr val="000000"/>
                     </a:solidFill>
@@ -11671,7 +11671,7 @@
               </a:ln>
               <a:extLst>
                 <a:ext uri="{91240B29-F687-4f45-9708-019B960494DF}">
-                  <a14:hiddenLine xmlns="" xmlns:a14="http://schemas.microsoft.com/office/drawing/2010/main" w="9525">
+                  <a14:hiddenLine xmlns:a14="http://schemas.microsoft.com/office/drawing/2010/main" xmlns="" w="9525">
                     <a:solidFill>
                       <a:srgbClr val="000000"/>
                     </a:solidFill>
@@ -11761,7 +11761,7 @@
               </a:ln>
               <a:extLst>
                 <a:ext uri="{91240B29-F687-4f45-9708-019B960494DF}">
-                  <a14:hiddenLine xmlns="" xmlns:a14="http://schemas.microsoft.com/office/drawing/2010/main" w="9525">
+                  <a14:hiddenLine xmlns:a14="http://schemas.microsoft.com/office/drawing/2010/main" xmlns="" w="9525">
                     <a:solidFill>
                       <a:srgbClr val="000000"/>
                     </a:solidFill>
@@ -11795,7 +11795,7 @@
               </a:ln>
               <a:extLst>
                 <a:ext uri="{91240B29-F687-4f45-9708-019B960494DF}">
-                  <a14:hiddenLine xmlns="" xmlns:a14="http://schemas.microsoft.com/office/drawing/2010/main" w="9525">
+                  <a14:hiddenLine xmlns:a14="http://schemas.microsoft.com/office/drawing/2010/main" xmlns="" w="9525">
                     <a:solidFill>
                       <a:srgbClr val="000000"/>
                     </a:solidFill>
@@ -11936,7 +11936,7 @@
             <a:fld id="{48A87A34-81AB-432B-8DAE-1953F412C126}" type="datetimeFigureOut">
               <a:rPr lang="en-US" dirty="0"/>
               <a:pPr/>
-              <a:t>4/21/2017</a:t>
+              <a:t>4/21/17</a:t>
             </a:fld>
             <a:endParaRPr lang="en-US" dirty="0"/>
           </a:p>
@@ -12896,6 +12896,36 @@
           </a:p>
         </p:txBody>
       </p:sp>
+      <p:pic>
+        <p:nvPicPr>
+          <p:cNvPr id="4" name="Picture 3"/>
+          <p:cNvPicPr>
+            <a:picLocks noChangeAspect="1"/>
+          </p:cNvPicPr>
+          <p:nvPr/>
+        </p:nvPicPr>
+        <p:blipFill>
+          <a:blip r:embed="rId2">
+            <a:extLst>
+              <a:ext uri="{28A0092B-C50C-407E-A947-70E740481C1C}">
+                <a14:useLocalDpi xmlns:a14="http://schemas.microsoft.com/office/drawing/2010/main" val="0"/>
+              </a:ext>
+            </a:extLst>
+          </a:blip>
+          <a:stretch>
+            <a:fillRect/>
+          </a:stretch>
+        </p:blipFill>
+        <p:spPr>
+          <a:xfrm>
+            <a:off x="1141412" y="1823244"/>
+            <a:ext cx="9994900" cy="4394200"/>
+          </a:xfrm>
+          <a:prstGeom prst="rect">
+            <a:avLst/>
+          </a:prstGeom>
+        </p:spPr>
+      </p:pic>
     </p:spTree>
     <p:extLst>
       <p:ext uri="{BB962C8B-B14F-4D97-AF65-F5344CB8AC3E}">
@@ -13067,6 +13097,66 @@
           </a:p>
         </p:txBody>
       </p:sp>
+      <p:pic>
+        <p:nvPicPr>
+          <p:cNvPr id="4" name="Picture 3"/>
+          <p:cNvPicPr>
+            <a:picLocks noChangeAspect="1"/>
+          </p:cNvPicPr>
+          <p:nvPr/>
+        </p:nvPicPr>
+        <p:blipFill>
+          <a:blip r:embed="rId2">
+            <a:extLst>
+              <a:ext uri="{28A0092B-C50C-407E-A947-70E740481C1C}">
+                <a14:useLocalDpi xmlns:a14="http://schemas.microsoft.com/office/drawing/2010/main" val="0"/>
+              </a:ext>
+            </a:extLst>
+          </a:blip>
+          <a:stretch>
+            <a:fillRect/>
+          </a:stretch>
+        </p:blipFill>
+        <p:spPr>
+          <a:xfrm>
+            <a:off x="1141412" y="0"/>
+            <a:ext cx="3855697" cy="6858000"/>
+          </a:xfrm>
+          <a:prstGeom prst="rect">
+            <a:avLst/>
+          </a:prstGeom>
+        </p:spPr>
+      </p:pic>
+      <p:pic>
+        <p:nvPicPr>
+          <p:cNvPr id="5" name="Picture 4"/>
+          <p:cNvPicPr>
+            <a:picLocks noChangeAspect="1"/>
+          </p:cNvPicPr>
+          <p:nvPr/>
+        </p:nvPicPr>
+        <p:blipFill>
+          <a:blip r:embed="rId3">
+            <a:extLst>
+              <a:ext uri="{28A0092B-C50C-407E-A947-70E740481C1C}">
+                <a14:useLocalDpi xmlns:a14="http://schemas.microsoft.com/office/drawing/2010/main" val="0"/>
+              </a:ext>
+            </a:extLst>
+          </a:blip>
+          <a:stretch>
+            <a:fillRect/>
+          </a:stretch>
+        </p:blipFill>
+        <p:spPr>
+          <a:xfrm>
+            <a:off x="6908800" y="0"/>
+            <a:ext cx="3855697" cy="6858000"/>
+          </a:xfrm>
+          <a:prstGeom prst="rect">
+            <a:avLst/>
+          </a:prstGeom>
+        </p:spPr>
+      </p:pic>
     </p:spTree>
     <p:extLst>
       <p:ext uri="{BB962C8B-B14F-4D97-AF65-F5344CB8AC3E}">

--- a/docs/中期答辩.pptx
+++ b/docs/中期答辩.pptx
@@ -12778,124 +12778,6 @@
           </a:p>
         </p:txBody>
       </p:sp>
-      <p:sp>
-        <p:nvSpPr>
-          <p:cNvPr id="3" name="Content Placeholder 2"/>
-          <p:cNvSpPr>
-            <a:spLocks noGrp="1"/>
-          </p:cNvSpPr>
-          <p:nvPr>
-            <p:ph idx="1"/>
-          </p:nvPr>
-        </p:nvSpPr>
-        <p:spPr/>
-        <p:txBody>
-          <a:bodyPr/>
-          <a:lstStyle/>
-          <a:p>
-            <a:r>
-              <a:rPr lang="zh-CN" altLang="en-US" dirty="0" smtClean="0"/>
-              <a:t>软件</a:t>
-            </a:r>
-            <a:r>
-              <a:rPr lang="zh-CN" altLang="en-US" dirty="0"/>
-              <a:t>启动时会自动接受新</a:t>
-            </a:r>
-            <a:r>
-              <a:rPr lang="zh-CN" altLang="en-US" dirty="0" smtClean="0"/>
-              <a:t>任务</a:t>
-            </a:r>
-          </a:p>
-          <a:p>
-            <a:r>
-              <a:rPr lang="zh-CN" altLang="en-US" dirty="0"/>
-              <a:t>可以</a:t>
-            </a:r>
-            <a:r>
-              <a:rPr lang="en-US" altLang="zh-CN" dirty="0"/>
-              <a:t>QR</a:t>
-            </a:r>
-            <a:r>
-              <a:rPr lang="zh-CN" altLang="en-US" dirty="0"/>
-              <a:t>扫码货物</a:t>
-            </a:r>
-            <a:r>
-              <a:rPr lang="zh-CN" altLang="en-US" dirty="0" smtClean="0"/>
-              <a:t>信息</a:t>
-            </a:r>
-          </a:p>
-          <a:p>
-            <a:r>
-              <a:rPr lang="zh-CN" altLang="en-US" dirty="0" smtClean="0"/>
-              <a:t>可以实时显示</a:t>
-            </a:r>
-            <a:r>
-              <a:rPr lang="en-US" altLang="zh-CN" dirty="0" smtClean="0"/>
-              <a:t>GPS</a:t>
-            </a:r>
-            <a:r>
-              <a:rPr lang="zh-CN" altLang="en-US" dirty="0" smtClean="0"/>
-              <a:t>信息</a:t>
-            </a:r>
-          </a:p>
-          <a:p>
-            <a:r>
-              <a:rPr lang="zh-CN" altLang="en-US" dirty="0" smtClean="0"/>
-              <a:t>每隔</a:t>
-            </a:r>
-            <a:r>
-              <a:rPr lang="en-US" altLang="zh-CN" dirty="0" smtClean="0"/>
-              <a:t>15s</a:t>
-            </a:r>
-            <a:r>
-              <a:rPr lang="zh-CN" altLang="en-US" dirty="0" smtClean="0"/>
-              <a:t>向服务器发送</a:t>
-            </a:r>
-            <a:r>
-              <a:rPr lang="en-US" altLang="zh-CN" dirty="0" smtClean="0"/>
-              <a:t>GPS</a:t>
-            </a:r>
-            <a:r>
-              <a:rPr lang="zh-CN" altLang="en-US" dirty="0" smtClean="0"/>
-              <a:t>信息</a:t>
-            </a:r>
-          </a:p>
-          <a:p>
-            <a:r>
-              <a:rPr lang="en-US" altLang="zh-CN" dirty="0" smtClean="0"/>
-              <a:t>GPS</a:t>
-            </a:r>
-            <a:r>
-              <a:rPr lang="zh-CN" altLang="en-US" dirty="0" smtClean="0"/>
-              <a:t>信息与计算的路线不符时会发出有声音有震动的警报</a:t>
-            </a:r>
-            <a:endParaRPr lang="en-US" altLang="zh-CN" dirty="0" smtClean="0"/>
-          </a:p>
-          <a:p>
-            <a:r>
-              <a:rPr lang="zh-CN" altLang="en-US" dirty="0" smtClean="0"/>
-              <a:t>使用</a:t>
-            </a:r>
-            <a:r>
-              <a:rPr lang="en-US" altLang="zh-CN" dirty="0" smtClean="0"/>
-              <a:t>Core</a:t>
-            </a:r>
-            <a:r>
-              <a:rPr lang="zh-CN" altLang="en-US" dirty="0" smtClean="0"/>
-              <a:t> </a:t>
-            </a:r>
-            <a:r>
-              <a:rPr lang="en-US" altLang="zh-CN" dirty="0" smtClean="0"/>
-              <a:t>Data</a:t>
-            </a:r>
-            <a:r>
-              <a:rPr lang="zh-CN" altLang="en-US" dirty="0" smtClean="0"/>
-              <a:t>保存软件当前状态，以便软件关闭重开时恢复数据</a:t>
-            </a:r>
-            <a:endParaRPr lang="en-US" dirty="0"/>
-          </a:p>
-        </p:txBody>
-      </p:sp>
       <p:pic>
         <p:nvPicPr>
           <p:cNvPr id="4" name="Picture 3"/>
@@ -12918,7 +12800,7 @@
         </p:blipFill>
         <p:spPr>
           <a:xfrm>
-            <a:off x="1141412" y="1823244"/>
+            <a:off x="1141413" y="2015835"/>
             <a:ext cx="9994900" cy="4394200"/>
           </a:xfrm>
           <a:prstGeom prst="rect">
@@ -12926,6 +12808,92 @@
           </a:prstGeom>
         </p:spPr>
       </p:pic>
+      <p:sp>
+        <p:nvSpPr>
+          <p:cNvPr id="5" name="TextBox 4"/>
+          <p:cNvSpPr txBox="1"/>
+          <p:nvPr/>
+        </p:nvSpPr>
+        <p:spPr>
+          <a:xfrm>
+            <a:off x="4683159" y="4936548"/>
+            <a:ext cx="2668249" cy="1200329"/>
+          </a:xfrm>
+          <a:prstGeom prst="rect">
+            <a:avLst/>
+          </a:prstGeom>
+          <a:noFill/>
+        </p:spPr>
+        <p:txBody>
+          <a:bodyPr wrap="square" rtlCol="0">
+            <a:spAutoFit/>
+          </a:bodyPr>
+          <a:lstStyle/>
+          <a:p>
+            <a:r>
+              <a:rPr lang="zh-CN" altLang="en-US" dirty="0" smtClean="0">
+                <a:solidFill>
+                  <a:sysClr val="windowText" lastClr="000000"/>
+                </a:solidFill>
+              </a:rPr>
+              <a:t>服务器是用</a:t>
+            </a:r>
+            <a:r>
+              <a:rPr lang="en-US" altLang="zh-CN" dirty="0" err="1" smtClean="0">
+                <a:solidFill>
+                  <a:sysClr val="windowText" lastClr="000000"/>
+                </a:solidFill>
+              </a:rPr>
+              <a:t>JHipster</a:t>
+            </a:r>
+            <a:r>
+              <a:rPr lang="zh-CN" altLang="en-US" dirty="0" smtClean="0">
+                <a:solidFill>
+                  <a:sysClr val="windowText" lastClr="000000"/>
+                </a:solidFill>
+              </a:rPr>
+              <a:t>生成的简单</a:t>
+            </a:r>
+            <a:r>
+              <a:rPr lang="en-US" altLang="zh-CN" dirty="0" err="1" smtClean="0">
+                <a:solidFill>
+                  <a:sysClr val="windowText" lastClr="000000"/>
+                </a:solidFill>
+              </a:rPr>
+              <a:t>RESTful</a:t>
+            </a:r>
+            <a:r>
+              <a:rPr lang="zh-CN" altLang="en-US" dirty="0" smtClean="0">
+                <a:solidFill>
+                  <a:sysClr val="windowText" lastClr="000000"/>
+                </a:solidFill>
+              </a:rPr>
+              <a:t> </a:t>
+            </a:r>
+            <a:r>
+              <a:rPr lang="en-US" altLang="zh-CN" dirty="0" smtClean="0">
+                <a:solidFill>
+                  <a:sysClr val="windowText" lastClr="000000"/>
+                </a:solidFill>
+              </a:rPr>
+              <a:t>spring</a:t>
+            </a:r>
+            <a:r>
+              <a:rPr lang="zh-CN" altLang="en-US" dirty="0" smtClean="0">
+                <a:solidFill>
+                  <a:sysClr val="windowText" lastClr="000000"/>
+                </a:solidFill>
+              </a:rPr>
+              <a:t>服务器，这个是服务期的前端界面。</a:t>
+            </a:r>
+            <a:endParaRPr lang="en-US" dirty="0">
+              <a:solidFill>
+                <a:sysClr val="windowText" lastClr="000000"/>
+              </a:solidFill>
+            </a:endParaRPr>
+          </a:p>
+        </p:txBody>
+      </p:sp>
     </p:spTree>
     <p:extLst>
       <p:ext uri="{BB962C8B-B14F-4D97-AF65-F5344CB8AC3E}">
@@ -12956,147 +12924,6 @@
           <a:chExt cx="0" cy="0"/>
         </a:xfrm>
       </p:grpSpPr>
-      <p:sp>
-        <p:nvSpPr>
-          <p:cNvPr id="2" name="Title 1"/>
-          <p:cNvSpPr>
-            <a:spLocks noGrp="1"/>
-          </p:cNvSpPr>
-          <p:nvPr>
-            <p:ph type="title"/>
-          </p:nvPr>
-        </p:nvSpPr>
-        <p:spPr/>
-        <p:txBody>
-          <a:bodyPr/>
-          <a:lstStyle/>
-          <a:p>
-            <a:r>
-              <a:rPr lang="zh-CN" altLang="en-US" dirty="0" smtClean="0"/>
-              <a:t>已经完成基本功能</a:t>
-            </a:r>
-            <a:endParaRPr lang="en-US" dirty="0"/>
-          </a:p>
-        </p:txBody>
-      </p:sp>
-      <p:sp>
-        <p:nvSpPr>
-          <p:cNvPr id="3" name="Content Placeholder 2"/>
-          <p:cNvSpPr>
-            <a:spLocks noGrp="1"/>
-          </p:cNvSpPr>
-          <p:nvPr>
-            <p:ph idx="1"/>
-          </p:nvPr>
-        </p:nvSpPr>
-        <p:spPr/>
-        <p:txBody>
-          <a:bodyPr/>
-          <a:lstStyle/>
-          <a:p>
-            <a:r>
-              <a:rPr lang="zh-CN" altLang="en-US" dirty="0" smtClean="0"/>
-              <a:t>软件</a:t>
-            </a:r>
-            <a:r>
-              <a:rPr lang="zh-CN" altLang="en-US" dirty="0"/>
-              <a:t>启动时会自动接受新</a:t>
-            </a:r>
-            <a:r>
-              <a:rPr lang="zh-CN" altLang="en-US" dirty="0" smtClean="0"/>
-              <a:t>任务</a:t>
-            </a:r>
-          </a:p>
-          <a:p>
-            <a:r>
-              <a:rPr lang="zh-CN" altLang="en-US" dirty="0"/>
-              <a:t>可以</a:t>
-            </a:r>
-            <a:r>
-              <a:rPr lang="en-US" altLang="zh-CN" dirty="0"/>
-              <a:t>QR</a:t>
-            </a:r>
-            <a:r>
-              <a:rPr lang="zh-CN" altLang="en-US" dirty="0"/>
-              <a:t>扫码货物</a:t>
-            </a:r>
-            <a:r>
-              <a:rPr lang="zh-CN" altLang="en-US" dirty="0" smtClean="0"/>
-              <a:t>信息</a:t>
-            </a:r>
-          </a:p>
-          <a:p>
-            <a:r>
-              <a:rPr lang="zh-CN" altLang="en-US" dirty="0" smtClean="0"/>
-              <a:t>可以实时显示</a:t>
-            </a:r>
-            <a:r>
-              <a:rPr lang="en-US" altLang="zh-CN" dirty="0" smtClean="0"/>
-              <a:t>GPS</a:t>
-            </a:r>
-            <a:r>
-              <a:rPr lang="zh-CN" altLang="en-US" dirty="0" smtClean="0"/>
-              <a:t>信息</a:t>
-            </a:r>
-          </a:p>
-          <a:p>
-            <a:r>
-              <a:rPr lang="zh-CN" altLang="en-US" dirty="0" smtClean="0"/>
-              <a:t>每隔</a:t>
-            </a:r>
-            <a:r>
-              <a:rPr lang="en-US" altLang="zh-CN" dirty="0" smtClean="0"/>
-              <a:t>15s</a:t>
-            </a:r>
-            <a:r>
-              <a:rPr lang="zh-CN" altLang="en-US" dirty="0" smtClean="0"/>
-              <a:t>向服务器发送</a:t>
-            </a:r>
-            <a:r>
-              <a:rPr lang="en-US" altLang="zh-CN" dirty="0" smtClean="0"/>
-              <a:t>GPS</a:t>
-            </a:r>
-            <a:r>
-              <a:rPr lang="zh-CN" altLang="en-US" dirty="0" smtClean="0"/>
-              <a:t>信息</a:t>
-            </a:r>
-          </a:p>
-          <a:p>
-            <a:r>
-              <a:rPr lang="en-US" altLang="zh-CN" dirty="0" smtClean="0"/>
-              <a:t>GPS</a:t>
-            </a:r>
-            <a:r>
-              <a:rPr lang="zh-CN" altLang="en-US" dirty="0" smtClean="0"/>
-              <a:t>信息与计算的路线不符时会发出有声音有震动的警报</a:t>
-            </a:r>
-            <a:endParaRPr lang="en-US" altLang="zh-CN" dirty="0" smtClean="0"/>
-          </a:p>
-          <a:p>
-            <a:r>
-              <a:rPr lang="zh-CN" altLang="en-US" dirty="0" smtClean="0"/>
-              <a:t>使用</a:t>
-            </a:r>
-            <a:r>
-              <a:rPr lang="en-US" altLang="zh-CN" dirty="0" smtClean="0"/>
-              <a:t>Core</a:t>
-            </a:r>
-            <a:r>
-              <a:rPr lang="zh-CN" altLang="en-US" dirty="0" smtClean="0"/>
-              <a:t> </a:t>
-            </a:r>
-            <a:r>
-              <a:rPr lang="en-US" altLang="zh-CN" dirty="0" smtClean="0"/>
-              <a:t>Data</a:t>
-            </a:r>
-            <a:r>
-              <a:rPr lang="zh-CN" altLang="en-US" dirty="0" smtClean="0"/>
-              <a:t>保存软件当前状态，以便软件关闭重开时恢复数据</a:t>
-            </a:r>
-            <a:endParaRPr lang="en-US" dirty="0"/>
-          </a:p>
-        </p:txBody>
-      </p:sp>
       <p:pic>
         <p:nvPicPr>
           <p:cNvPr id="4" name="Picture 3"/>
@@ -13149,7 +12976,7 @@
         </p:blipFill>
         <p:spPr>
           <a:xfrm>
-            <a:off x="6908800" y="0"/>
+            <a:off x="6833850" y="0"/>
             <a:ext cx="3855697" cy="6858000"/>
           </a:xfrm>
           <a:prstGeom prst="rect">
@@ -13157,6 +12984,98 @@
           </a:prstGeom>
         </p:spPr>
       </p:pic>
+      <p:sp>
+        <p:nvSpPr>
+          <p:cNvPr id="7" name="TextBox 6"/>
+          <p:cNvSpPr txBox="1"/>
+          <p:nvPr/>
+        </p:nvSpPr>
+        <p:spPr>
+          <a:xfrm>
+            <a:off x="2548329" y="899409"/>
+            <a:ext cx="4530407" cy="369332"/>
+          </a:xfrm>
+          <a:prstGeom prst="rect">
+            <a:avLst/>
+          </a:prstGeom>
+          <a:noFill/>
+        </p:spPr>
+        <p:txBody>
+          <a:bodyPr wrap="none" rtlCol="0">
+            <a:spAutoFit/>
+          </a:bodyPr>
+          <a:lstStyle/>
+          <a:p>
+            <a:r>
+              <a:rPr lang="zh-CN" altLang="en-US" dirty="0" smtClean="0">
+                <a:solidFill>
+                  <a:schemeClr val="bg1"/>
+                </a:solidFill>
+              </a:rPr>
+              <a:t>前期主要编写了程序功能，所以</a:t>
+            </a:r>
+            <a:r>
+              <a:rPr lang="en-US" altLang="zh-CN" dirty="0" smtClean="0">
+                <a:solidFill>
+                  <a:schemeClr val="bg1"/>
+                </a:solidFill>
+              </a:rPr>
+              <a:t>UI</a:t>
+            </a:r>
+            <a:r>
+              <a:rPr lang="zh-CN" altLang="en-US" dirty="0" smtClean="0">
+                <a:solidFill>
+                  <a:schemeClr val="bg1"/>
+                </a:solidFill>
+              </a:rPr>
+              <a:t>有些简单</a:t>
+            </a:r>
+            <a:endParaRPr lang="en-US" dirty="0">
+              <a:solidFill>
+                <a:schemeClr val="bg1"/>
+              </a:solidFill>
+            </a:endParaRPr>
+          </a:p>
+        </p:txBody>
+      </p:sp>
+      <p:sp>
+        <p:nvSpPr>
+          <p:cNvPr id="9" name="TextBox 8"/>
+          <p:cNvSpPr txBox="1"/>
+          <p:nvPr/>
+        </p:nvSpPr>
+        <p:spPr>
+          <a:xfrm>
+            <a:off x="6833850" y="5801193"/>
+            <a:ext cx="3877985" cy="369332"/>
+          </a:xfrm>
+          <a:prstGeom prst="rect">
+            <a:avLst/>
+          </a:prstGeom>
+          <a:noFill/>
+        </p:spPr>
+        <p:txBody>
+          <a:bodyPr wrap="none" rtlCol="0">
+            <a:spAutoFit/>
+          </a:bodyPr>
+          <a:lstStyle/>
+          <a:p>
+            <a:r>
+              <a:rPr lang="zh-CN" altLang="en-US" dirty="0" smtClean="0">
+                <a:solidFill>
+                  <a:schemeClr val="bg1"/>
+                </a:solidFill>
+              </a:rPr>
+              <a:t>留了一个用来测试提示警告的小按钮</a:t>
+            </a:r>
+            <a:endParaRPr lang="en-US" dirty="0">
+              <a:solidFill>
+                <a:schemeClr val="bg1"/>
+              </a:solidFill>
+            </a:endParaRPr>
+          </a:p>
+        </p:txBody>
+      </p:sp>
     </p:spTree>
     <p:extLst>
       <p:ext uri="{BB962C8B-B14F-4D97-AF65-F5344CB8AC3E}">

--- a/docs/中期答辩.pptx
+++ b/docs/中期答辩.pptx
@@ -166,7 +166,7 @@
           <a:noFill/>
           <a:extLst>
             <a:ext uri="{909E8E84-426E-40dd-AFC4-6F175D3DCCD1}">
-              <a14:hiddenFill xmlns:a14="http://schemas.microsoft.com/office/drawing/2010/main" xmlns="">
+              <a14:hiddenFill xmlns="" xmlns:a14="http://schemas.microsoft.com/office/drawing/2010/main">
                 <a:solidFill>
                   <a:srgbClr val="FFFFFF"/>
                 </a:solidFill>
@@ -226,7 +226,7 @@
             </a:ln>
             <a:extLst>
               <a:ext uri="{91240B29-F687-4f45-9708-019B960494DF}">
-                <a14:hiddenLine xmlns:a14="http://schemas.microsoft.com/office/drawing/2010/main" xmlns="" w="9525">
+                <a14:hiddenLine xmlns="" xmlns:a14="http://schemas.microsoft.com/office/drawing/2010/main" w="9525">
                   <a:solidFill>
                     <a:srgbClr val="000000"/>
                   </a:solidFill>
@@ -316,7 +316,7 @@
             </a:ln>
             <a:extLst>
               <a:ext uri="{91240B29-F687-4f45-9708-019B960494DF}">
-                <a14:hiddenLine xmlns:a14="http://schemas.microsoft.com/office/drawing/2010/main" xmlns="" w="9525">
+                <a14:hiddenLine xmlns="" xmlns:a14="http://schemas.microsoft.com/office/drawing/2010/main" w="9525">
                   <a:solidFill>
                     <a:srgbClr val="000000"/>
                   </a:solidFill>
@@ -406,7 +406,7 @@
             </a:ln>
             <a:extLst>
               <a:ext uri="{91240B29-F687-4f45-9708-019B960494DF}">
-                <a14:hiddenLine xmlns:a14="http://schemas.microsoft.com/office/drawing/2010/main" xmlns="" w="9525">
+                <a14:hiddenLine xmlns="" xmlns:a14="http://schemas.microsoft.com/office/drawing/2010/main" w="9525">
                   <a:solidFill>
                     <a:srgbClr val="000000"/>
                   </a:solidFill>
@@ -440,7 +440,7 @@
             </a:ln>
             <a:extLst>
               <a:ext uri="{91240B29-F687-4f45-9708-019B960494DF}">
-                <a14:hiddenLine xmlns:a14="http://schemas.microsoft.com/office/drawing/2010/main" xmlns="" w="9525">
+                <a14:hiddenLine xmlns="" xmlns:a14="http://schemas.microsoft.com/office/drawing/2010/main" w="9525">
                   <a:solidFill>
                     <a:srgbClr val="000000"/>
                   </a:solidFill>
@@ -530,7 +530,7 @@
             </a:ln>
             <a:extLst>
               <a:ext uri="{91240B29-F687-4f45-9708-019B960494DF}">
-                <a14:hiddenLine xmlns:a14="http://schemas.microsoft.com/office/drawing/2010/main" xmlns="" w="9525">
+                <a14:hiddenLine xmlns="" xmlns:a14="http://schemas.microsoft.com/office/drawing/2010/main" w="9525">
                   <a:solidFill>
                     <a:srgbClr val="000000"/>
                   </a:solidFill>
@@ -592,7 +592,7 @@
             </a:ln>
             <a:extLst>
               <a:ext uri="{91240B29-F687-4f45-9708-019B960494DF}">
-                <a14:hiddenLine xmlns:a14="http://schemas.microsoft.com/office/drawing/2010/main" xmlns="" w="9525">
+                <a14:hiddenLine xmlns="" xmlns:a14="http://schemas.microsoft.com/office/drawing/2010/main" w="9525">
                   <a:solidFill>
                     <a:srgbClr val="000000"/>
                   </a:solidFill>
@@ -654,7 +654,7 @@
             </a:ln>
             <a:extLst>
               <a:ext uri="{91240B29-F687-4f45-9708-019B960494DF}">
-                <a14:hiddenLine xmlns:a14="http://schemas.microsoft.com/office/drawing/2010/main" xmlns="" w="9525">
+                <a14:hiddenLine xmlns="" xmlns:a14="http://schemas.microsoft.com/office/drawing/2010/main" w="9525">
                   <a:solidFill>
                     <a:srgbClr val="000000"/>
                   </a:solidFill>
@@ -744,7 +744,7 @@
             </a:ln>
             <a:extLst>
               <a:ext uri="{91240B29-F687-4f45-9708-019B960494DF}">
-                <a14:hiddenLine xmlns:a14="http://schemas.microsoft.com/office/drawing/2010/main" xmlns="" w="9525">
+                <a14:hiddenLine xmlns="" xmlns:a14="http://schemas.microsoft.com/office/drawing/2010/main" w="9525">
                   <a:solidFill>
                     <a:srgbClr val="000000"/>
                   </a:solidFill>
@@ -806,7 +806,7 @@
             </a:ln>
             <a:extLst>
               <a:ext uri="{91240B29-F687-4f45-9708-019B960494DF}">
-                <a14:hiddenLine xmlns:a14="http://schemas.microsoft.com/office/drawing/2010/main" xmlns="" w="9525">
+                <a14:hiddenLine xmlns="" xmlns:a14="http://schemas.microsoft.com/office/drawing/2010/main" w="9525">
                   <a:solidFill>
                     <a:srgbClr val="000000"/>
                   </a:solidFill>
@@ -868,7 +868,7 @@
             </a:ln>
             <a:extLst>
               <a:ext uri="{91240B29-F687-4f45-9708-019B960494DF}">
-                <a14:hiddenLine xmlns:a14="http://schemas.microsoft.com/office/drawing/2010/main" xmlns="" w="9525">
+                <a14:hiddenLine xmlns="" xmlns:a14="http://schemas.microsoft.com/office/drawing/2010/main" w="9525">
                   <a:solidFill>
                     <a:srgbClr val="000000"/>
                   </a:solidFill>
@@ -958,7 +958,7 @@
             </a:ln>
             <a:extLst>
               <a:ext uri="{91240B29-F687-4f45-9708-019B960494DF}">
-                <a14:hiddenLine xmlns:a14="http://schemas.microsoft.com/office/drawing/2010/main" xmlns="" w="9525">
+                <a14:hiddenLine xmlns="" xmlns:a14="http://schemas.microsoft.com/office/drawing/2010/main" w="9525">
                   <a:solidFill>
                     <a:srgbClr val="000000"/>
                   </a:solidFill>
@@ -1048,7 +1048,7 @@
             </a:ln>
             <a:extLst>
               <a:ext uri="{91240B29-F687-4f45-9708-019B960494DF}">
-                <a14:hiddenLine xmlns:a14="http://schemas.microsoft.com/office/drawing/2010/main" xmlns="" w="9525">
+                <a14:hiddenLine xmlns="" xmlns:a14="http://schemas.microsoft.com/office/drawing/2010/main" w="9525">
                   <a:solidFill>
                     <a:srgbClr val="000000"/>
                   </a:solidFill>
@@ -1110,7 +1110,7 @@
             </a:ln>
             <a:extLst>
               <a:ext uri="{91240B29-F687-4f45-9708-019B960494DF}">
-                <a14:hiddenLine xmlns:a14="http://schemas.microsoft.com/office/drawing/2010/main" xmlns="" w="9525">
+                <a14:hiddenLine xmlns="" xmlns:a14="http://schemas.microsoft.com/office/drawing/2010/main" w="9525">
                   <a:solidFill>
                     <a:srgbClr val="000000"/>
                   </a:solidFill>
@@ -1220,7 +1220,7 @@
             </a:ln>
             <a:extLst>
               <a:ext uri="{91240B29-F687-4f45-9708-019B960494DF}">
-                <a14:hiddenLine xmlns:a14="http://schemas.microsoft.com/office/drawing/2010/main" xmlns="" w="9525">
+                <a14:hiddenLine xmlns="" xmlns:a14="http://schemas.microsoft.com/office/drawing/2010/main" w="9525">
                   <a:solidFill>
                     <a:srgbClr val="000000"/>
                   </a:solidFill>
@@ -1282,7 +1282,7 @@
             </a:ln>
             <a:extLst>
               <a:ext uri="{91240B29-F687-4f45-9708-019B960494DF}">
-                <a14:hiddenLine xmlns:a14="http://schemas.microsoft.com/office/drawing/2010/main" xmlns="" w="9525">
+                <a14:hiddenLine xmlns="" xmlns:a14="http://schemas.microsoft.com/office/drawing/2010/main" w="9525">
                   <a:solidFill>
                     <a:srgbClr val="000000"/>
                   </a:solidFill>
@@ -1372,7 +1372,7 @@
             </a:ln>
             <a:extLst>
               <a:ext uri="{91240B29-F687-4f45-9708-019B960494DF}">
-                <a14:hiddenLine xmlns:a14="http://schemas.microsoft.com/office/drawing/2010/main" xmlns="" w="9525">
+                <a14:hiddenLine xmlns="" xmlns:a14="http://schemas.microsoft.com/office/drawing/2010/main" w="9525">
                   <a:solidFill>
                     <a:srgbClr val="000000"/>
                   </a:solidFill>
@@ -1462,7 +1462,7 @@
             </a:ln>
             <a:extLst>
               <a:ext uri="{91240B29-F687-4f45-9708-019B960494DF}">
-                <a14:hiddenLine xmlns:a14="http://schemas.microsoft.com/office/drawing/2010/main" xmlns="" w="9525">
+                <a14:hiddenLine xmlns="" xmlns:a14="http://schemas.microsoft.com/office/drawing/2010/main" w="9525">
                   <a:solidFill>
                     <a:srgbClr val="000000"/>
                   </a:solidFill>
@@ -1524,7 +1524,7 @@
             </a:ln>
             <a:extLst>
               <a:ext uri="{91240B29-F687-4f45-9708-019B960494DF}">
-                <a14:hiddenLine xmlns:a14="http://schemas.microsoft.com/office/drawing/2010/main" xmlns="" w="9525">
+                <a14:hiddenLine xmlns="" xmlns:a14="http://schemas.microsoft.com/office/drawing/2010/main" w="9525">
                   <a:solidFill>
                     <a:srgbClr val="000000"/>
                   </a:solidFill>
@@ -1614,7 +1614,7 @@
             </a:ln>
             <a:extLst>
               <a:ext uri="{91240B29-F687-4f45-9708-019B960494DF}">
-                <a14:hiddenLine xmlns:a14="http://schemas.microsoft.com/office/drawing/2010/main" xmlns="" w="9525">
+                <a14:hiddenLine xmlns="" xmlns:a14="http://schemas.microsoft.com/office/drawing/2010/main" w="9525">
                   <a:solidFill>
                     <a:srgbClr val="000000"/>
                   </a:solidFill>
@@ -1704,7 +1704,7 @@
             </a:ln>
             <a:extLst>
               <a:ext uri="{91240B29-F687-4f45-9708-019B960494DF}">
-                <a14:hiddenLine xmlns:a14="http://schemas.microsoft.com/office/drawing/2010/main" xmlns="" w="9525">
+                <a14:hiddenLine xmlns="" xmlns:a14="http://schemas.microsoft.com/office/drawing/2010/main" w="9525">
                   <a:solidFill>
                     <a:srgbClr val="000000"/>
                   </a:solidFill>
@@ -1760,7 +1760,7 @@
             </a:ln>
             <a:extLst>
               <a:ext uri="{91240B29-F687-4f45-9708-019B960494DF}">
-                <a14:hiddenLine xmlns:a14="http://schemas.microsoft.com/office/drawing/2010/main" xmlns="" w="9525">
+                <a14:hiddenLine xmlns="" xmlns:a14="http://schemas.microsoft.com/office/drawing/2010/main" w="9525">
                   <a:solidFill>
                     <a:srgbClr val="000000"/>
                   </a:solidFill>
@@ -1850,7 +1850,7 @@
             </a:ln>
             <a:extLst>
               <a:ext uri="{91240B29-F687-4f45-9708-019B960494DF}">
-                <a14:hiddenLine xmlns:a14="http://schemas.microsoft.com/office/drawing/2010/main" xmlns="" w="9525">
+                <a14:hiddenLine xmlns="" xmlns:a14="http://schemas.microsoft.com/office/drawing/2010/main" w="9525">
                   <a:solidFill>
                     <a:srgbClr val="000000"/>
                   </a:solidFill>
@@ -1906,7 +1906,7 @@
             </a:ln>
             <a:extLst>
               <a:ext uri="{91240B29-F687-4f45-9708-019B960494DF}">
-                <a14:hiddenLine xmlns:a14="http://schemas.microsoft.com/office/drawing/2010/main" xmlns="" w="9525">
+                <a14:hiddenLine xmlns="" xmlns:a14="http://schemas.microsoft.com/office/drawing/2010/main" w="9525">
                   <a:solidFill>
                     <a:srgbClr val="000000"/>
                   </a:solidFill>
@@ -1996,7 +1996,7 @@
             </a:ln>
             <a:extLst>
               <a:ext uri="{91240B29-F687-4f45-9708-019B960494DF}">
-                <a14:hiddenLine xmlns:a14="http://schemas.microsoft.com/office/drawing/2010/main" xmlns="" w="9525">
+                <a14:hiddenLine xmlns="" xmlns:a14="http://schemas.microsoft.com/office/drawing/2010/main" w="9525">
                   <a:solidFill>
                     <a:srgbClr val="000000"/>
                   </a:solidFill>
@@ -2064,7 +2064,7 @@
             </a:ln>
             <a:extLst>
               <a:ext uri="{91240B29-F687-4f45-9708-019B960494DF}">
-                <a14:hiddenLine xmlns:a14="http://schemas.microsoft.com/office/drawing/2010/main" xmlns="" w="9525">
+                <a14:hiddenLine xmlns="" xmlns:a14="http://schemas.microsoft.com/office/drawing/2010/main" w="9525">
                   <a:solidFill>
                     <a:srgbClr val="000000"/>
                   </a:solidFill>
@@ -2154,7 +2154,7 @@
             </a:ln>
             <a:extLst>
               <a:ext uri="{91240B29-F687-4f45-9708-019B960494DF}">
-                <a14:hiddenLine xmlns:a14="http://schemas.microsoft.com/office/drawing/2010/main" xmlns="" w="9525">
+                <a14:hiddenLine xmlns="" xmlns:a14="http://schemas.microsoft.com/office/drawing/2010/main" w="9525">
                   <a:solidFill>
                     <a:srgbClr val="000000"/>
                   </a:solidFill>
@@ -2222,7 +2222,7 @@
             </a:ln>
             <a:extLst>
               <a:ext uri="{91240B29-F687-4f45-9708-019B960494DF}">
-                <a14:hiddenLine xmlns:a14="http://schemas.microsoft.com/office/drawing/2010/main" xmlns="" w="9525">
+                <a14:hiddenLine xmlns="" xmlns:a14="http://schemas.microsoft.com/office/drawing/2010/main" w="9525">
                   <a:solidFill>
                     <a:srgbClr val="000000"/>
                   </a:solidFill>
@@ -2312,7 +2312,7 @@
             </a:ln>
             <a:extLst>
               <a:ext uri="{91240B29-F687-4f45-9708-019B960494DF}">
-                <a14:hiddenLine xmlns:a14="http://schemas.microsoft.com/office/drawing/2010/main" xmlns="" w="9525">
+                <a14:hiddenLine xmlns="" xmlns:a14="http://schemas.microsoft.com/office/drawing/2010/main" w="9525">
                   <a:solidFill>
                     <a:srgbClr val="000000"/>
                   </a:solidFill>
@@ -2346,7 +2346,7 @@
             </a:ln>
             <a:extLst>
               <a:ext uri="{91240B29-F687-4f45-9708-019B960494DF}">
-                <a14:hiddenLine xmlns:a14="http://schemas.microsoft.com/office/drawing/2010/main" xmlns="" w="9525">
+                <a14:hiddenLine xmlns="" xmlns:a14="http://schemas.microsoft.com/office/drawing/2010/main" w="9525">
                   <a:solidFill>
                     <a:srgbClr val="000000"/>
                   </a:solidFill>
@@ -2436,7 +2436,7 @@
             </a:ln>
             <a:extLst>
               <a:ext uri="{91240B29-F687-4f45-9708-019B960494DF}">
-                <a14:hiddenLine xmlns:a14="http://schemas.microsoft.com/office/drawing/2010/main" xmlns="" w="9525">
+                <a14:hiddenLine xmlns="" xmlns:a14="http://schemas.microsoft.com/office/drawing/2010/main" w="9525">
                   <a:solidFill>
                     <a:srgbClr val="000000"/>
                   </a:solidFill>
@@ -2498,7 +2498,7 @@
             </a:ln>
             <a:extLst>
               <a:ext uri="{91240B29-F687-4f45-9708-019B960494DF}">
-                <a14:hiddenLine xmlns:a14="http://schemas.microsoft.com/office/drawing/2010/main" xmlns="" w="9525">
+                <a14:hiddenLine xmlns="" xmlns:a14="http://schemas.microsoft.com/office/drawing/2010/main" w="9525">
                   <a:solidFill>
                     <a:srgbClr val="000000"/>
                   </a:solidFill>
@@ -2560,7 +2560,7 @@
             </a:ln>
             <a:extLst>
               <a:ext uri="{91240B29-F687-4f45-9708-019B960494DF}">
-                <a14:hiddenLine xmlns:a14="http://schemas.microsoft.com/office/drawing/2010/main" xmlns="" w="9525">
+                <a14:hiddenLine xmlns="" xmlns:a14="http://schemas.microsoft.com/office/drawing/2010/main" w="9525">
                   <a:solidFill>
                     <a:srgbClr val="000000"/>
                   </a:solidFill>
@@ -2650,7 +2650,7 @@
             </a:ln>
             <a:extLst>
               <a:ext uri="{91240B29-F687-4f45-9708-019B960494DF}">
-                <a14:hiddenLine xmlns:a14="http://schemas.microsoft.com/office/drawing/2010/main" xmlns="" w="9525">
+                <a14:hiddenLine xmlns="" xmlns:a14="http://schemas.microsoft.com/office/drawing/2010/main" w="9525">
                   <a:solidFill>
                     <a:srgbClr val="000000"/>
                   </a:solidFill>
@@ -2718,7 +2718,7 @@
             </a:ln>
             <a:extLst>
               <a:ext uri="{91240B29-F687-4f45-9708-019B960494DF}">
-                <a14:hiddenLine xmlns:a14="http://schemas.microsoft.com/office/drawing/2010/main" xmlns="" w="9525">
+                <a14:hiddenLine xmlns="" xmlns:a14="http://schemas.microsoft.com/office/drawing/2010/main" w="9525">
                   <a:solidFill>
                     <a:srgbClr val="000000"/>
                   </a:solidFill>
@@ -2780,7 +2780,7 @@
             </a:ln>
             <a:extLst>
               <a:ext uri="{91240B29-F687-4f45-9708-019B960494DF}">
-                <a14:hiddenLine xmlns:a14="http://schemas.microsoft.com/office/drawing/2010/main" xmlns="" w="9525">
+                <a14:hiddenLine xmlns="" xmlns:a14="http://schemas.microsoft.com/office/drawing/2010/main" w="9525">
                   <a:solidFill>
                     <a:srgbClr val="000000"/>
                   </a:solidFill>
@@ -2870,7 +2870,7 @@
             </a:ln>
             <a:extLst>
               <a:ext uri="{91240B29-F687-4f45-9708-019B960494DF}">
-                <a14:hiddenLine xmlns:a14="http://schemas.microsoft.com/office/drawing/2010/main" xmlns="" w="9525">
+                <a14:hiddenLine xmlns="" xmlns:a14="http://schemas.microsoft.com/office/drawing/2010/main" w="9525">
                   <a:solidFill>
                     <a:srgbClr val="000000"/>
                   </a:solidFill>
@@ -2932,7 +2932,7 @@
             </a:ln>
             <a:extLst>
               <a:ext uri="{91240B29-F687-4f45-9708-019B960494DF}">
-                <a14:hiddenLine xmlns:a14="http://schemas.microsoft.com/office/drawing/2010/main" xmlns="" w="9525">
+                <a14:hiddenLine xmlns="" xmlns:a14="http://schemas.microsoft.com/office/drawing/2010/main" w="9525">
                   <a:solidFill>
                     <a:srgbClr val="000000"/>
                   </a:solidFill>
@@ -3022,7 +3022,7 @@
             </a:ln>
             <a:extLst>
               <a:ext uri="{91240B29-F687-4f45-9708-019B960494DF}">
-                <a14:hiddenLine xmlns:a14="http://schemas.microsoft.com/office/drawing/2010/main" xmlns="" w="9525">
+                <a14:hiddenLine xmlns="" xmlns:a14="http://schemas.microsoft.com/office/drawing/2010/main" w="9525">
                   <a:solidFill>
                     <a:srgbClr val="000000"/>
                   </a:solidFill>
@@ -3084,7 +3084,7 @@
             </a:ln>
             <a:extLst>
               <a:ext uri="{91240B29-F687-4f45-9708-019B960494DF}">
-                <a14:hiddenLine xmlns:a14="http://schemas.microsoft.com/office/drawing/2010/main" xmlns="" w="9525">
+                <a14:hiddenLine xmlns="" xmlns:a14="http://schemas.microsoft.com/office/drawing/2010/main" w="9525">
                   <a:solidFill>
                     <a:srgbClr val="000000"/>
                   </a:solidFill>
@@ -3174,7 +3174,7 @@
             </a:ln>
             <a:extLst>
               <a:ext uri="{91240B29-F687-4f45-9708-019B960494DF}">
-                <a14:hiddenLine xmlns:a14="http://schemas.microsoft.com/office/drawing/2010/main" xmlns="" w="9525">
+                <a14:hiddenLine xmlns="" xmlns:a14="http://schemas.microsoft.com/office/drawing/2010/main" w="9525">
                   <a:solidFill>
                     <a:srgbClr val="000000"/>
                   </a:solidFill>
@@ -3208,7 +3208,7 @@
             </a:ln>
             <a:extLst>
               <a:ext uri="{91240B29-F687-4f45-9708-019B960494DF}">
-                <a14:hiddenLine xmlns:a14="http://schemas.microsoft.com/office/drawing/2010/main" xmlns="" w="9525">
+                <a14:hiddenLine xmlns="" xmlns:a14="http://schemas.microsoft.com/office/drawing/2010/main" w="9525">
                   <a:solidFill>
                     <a:srgbClr val="000000"/>
                   </a:solidFill>
@@ -3273,7 +3273,7 @@
             </a:ln>
             <a:extLst>
               <a:ext uri="{91240B29-F687-4f45-9708-019B960494DF}">
-                <a14:hiddenLine xmlns:a14="http://schemas.microsoft.com/office/drawing/2010/main" xmlns="" w="9525">
+                <a14:hiddenLine xmlns="" xmlns:a14="http://schemas.microsoft.com/office/drawing/2010/main" w="9525">
                   <a:solidFill>
                     <a:srgbClr val="000000"/>
                   </a:solidFill>
@@ -3363,7 +3363,7 @@
             </a:ln>
             <a:extLst>
               <a:ext uri="{91240B29-F687-4f45-9708-019B960494DF}">
-                <a14:hiddenLine xmlns:a14="http://schemas.microsoft.com/office/drawing/2010/main" xmlns="" w="9525">
+                <a14:hiddenLine xmlns="" xmlns:a14="http://schemas.microsoft.com/office/drawing/2010/main" w="9525">
                   <a:solidFill>
                     <a:srgbClr val="000000"/>
                   </a:solidFill>
@@ -3425,7 +3425,7 @@
             </a:ln>
             <a:extLst>
               <a:ext uri="{91240B29-F687-4f45-9708-019B960494DF}">
-                <a14:hiddenLine xmlns:a14="http://schemas.microsoft.com/office/drawing/2010/main" xmlns="" w="9525">
+                <a14:hiddenLine xmlns="" xmlns:a14="http://schemas.microsoft.com/office/drawing/2010/main" w="9525">
                   <a:solidFill>
                     <a:srgbClr val="000000"/>
                   </a:solidFill>
@@ -3515,7 +3515,7 @@
             </a:ln>
             <a:extLst>
               <a:ext uri="{91240B29-F687-4f45-9708-019B960494DF}">
-                <a14:hiddenLine xmlns:a14="http://schemas.microsoft.com/office/drawing/2010/main" xmlns="" w="9525">
+                <a14:hiddenLine xmlns="" xmlns:a14="http://schemas.microsoft.com/office/drawing/2010/main" w="9525">
                   <a:solidFill>
                     <a:srgbClr val="000000"/>
                   </a:solidFill>
@@ -3605,7 +3605,7 @@
             </a:ln>
             <a:extLst>
               <a:ext uri="{91240B29-F687-4f45-9708-019B960494DF}">
-                <a14:hiddenLine xmlns:a14="http://schemas.microsoft.com/office/drawing/2010/main" xmlns="" w="9525">
+                <a14:hiddenLine xmlns="" xmlns:a14="http://schemas.microsoft.com/office/drawing/2010/main" w="9525">
                   <a:solidFill>
                     <a:srgbClr val="000000"/>
                   </a:solidFill>
@@ -3670,7 +3670,7 @@
             </a:ln>
             <a:extLst>
               <a:ext uri="{91240B29-F687-4f45-9708-019B960494DF}">
-                <a14:hiddenLine xmlns:a14="http://schemas.microsoft.com/office/drawing/2010/main" xmlns="" w="9525">
+                <a14:hiddenLine xmlns="" xmlns:a14="http://schemas.microsoft.com/office/drawing/2010/main" w="9525">
                   <a:solidFill>
                     <a:srgbClr val="000000"/>
                   </a:solidFill>
@@ -3732,7 +3732,7 @@
             </a:ln>
             <a:extLst>
               <a:ext uri="{91240B29-F687-4f45-9708-019B960494DF}">
-                <a14:hiddenLine xmlns:a14="http://schemas.microsoft.com/office/drawing/2010/main" xmlns="" w="9525">
+                <a14:hiddenLine xmlns="" xmlns:a14="http://schemas.microsoft.com/office/drawing/2010/main" w="9525">
                   <a:solidFill>
                     <a:srgbClr val="000000"/>
                   </a:solidFill>
@@ -3822,7 +3822,7 @@
             </a:ln>
             <a:extLst>
               <a:ext uri="{91240B29-F687-4f45-9708-019B960494DF}">
-                <a14:hiddenLine xmlns:a14="http://schemas.microsoft.com/office/drawing/2010/main" xmlns="" w="9525">
+                <a14:hiddenLine xmlns="" xmlns:a14="http://schemas.microsoft.com/office/drawing/2010/main" w="9525">
                   <a:solidFill>
                     <a:srgbClr val="000000"/>
                   </a:solidFill>
@@ -3912,7 +3912,7 @@
             </a:ln>
             <a:extLst>
               <a:ext uri="{91240B29-F687-4f45-9708-019B960494DF}">
-                <a14:hiddenLine xmlns:a14="http://schemas.microsoft.com/office/drawing/2010/main" xmlns="" w="9525">
+                <a14:hiddenLine xmlns="" xmlns:a14="http://schemas.microsoft.com/office/drawing/2010/main" w="9525">
                   <a:solidFill>
                     <a:srgbClr val="000000"/>
                   </a:solidFill>
@@ -3974,7 +3974,7 @@
             </a:ln>
             <a:extLst>
               <a:ext uri="{91240B29-F687-4f45-9708-019B960494DF}">
-                <a14:hiddenLine xmlns:a14="http://schemas.microsoft.com/office/drawing/2010/main" xmlns="" w="9525">
+                <a14:hiddenLine xmlns="" xmlns:a14="http://schemas.microsoft.com/office/drawing/2010/main" w="9525">
                   <a:solidFill>
                     <a:srgbClr val="000000"/>
                   </a:solidFill>
@@ -4094,7 +4094,7 @@
             </a:ln>
             <a:extLst>
               <a:ext uri="{91240B29-F687-4f45-9708-019B960494DF}">
-                <a14:hiddenLine xmlns:a14="http://schemas.microsoft.com/office/drawing/2010/main" xmlns="" w="9525">
+                <a14:hiddenLine xmlns="" xmlns:a14="http://schemas.microsoft.com/office/drawing/2010/main" w="9525">
                   <a:solidFill>
                     <a:srgbClr val="000000"/>
                   </a:solidFill>
@@ -4162,7 +4162,7 @@
             </a:ln>
             <a:extLst>
               <a:ext uri="{91240B29-F687-4f45-9708-019B960494DF}">
-                <a14:hiddenLine xmlns:a14="http://schemas.microsoft.com/office/drawing/2010/main" xmlns="" w="9525">
+                <a14:hiddenLine xmlns="" xmlns:a14="http://schemas.microsoft.com/office/drawing/2010/main" w="9525">
                   <a:solidFill>
                     <a:srgbClr val="000000"/>
                   </a:solidFill>
@@ -4252,7 +4252,7 @@
             </a:ln>
             <a:extLst>
               <a:ext uri="{91240B29-F687-4f45-9708-019B960494DF}">
-                <a14:hiddenLine xmlns:a14="http://schemas.microsoft.com/office/drawing/2010/main" xmlns="" w="9525">
+                <a14:hiddenLine xmlns="" xmlns:a14="http://schemas.microsoft.com/office/drawing/2010/main" w="9525">
                   <a:solidFill>
                     <a:srgbClr val="000000"/>
                   </a:solidFill>
@@ -4392,7 +4392,7 @@
           <a:p>
             <a:fld id="{48A87A34-81AB-432B-8DAE-1953F412C126}" type="datetimeFigureOut">
               <a:rPr lang="en-US" dirty="0"/>
-              <a:t>4/21/17</a:t>
+              <a:t>6/2/17</a:t>
             </a:fld>
             <a:endParaRPr lang="en-US" dirty="0"/>
           </a:p>
@@ -4654,7 +4654,7 @@
           <a:p>
             <a:fld id="{48A87A34-81AB-432B-8DAE-1953F412C126}" type="datetimeFigureOut">
               <a:rPr lang="en-US" dirty="0"/>
-              <a:t>4/21/17</a:t>
+              <a:t>6/2/17</a:t>
             </a:fld>
             <a:endParaRPr lang="en-US" dirty="0"/>
           </a:p>
@@ -4845,7 +4845,7 @@
           <a:p>
             <a:fld id="{48A87A34-81AB-432B-8DAE-1953F412C126}" type="datetimeFigureOut">
               <a:rPr lang="en-US" dirty="0"/>
-              <a:t>4/21/17</a:t>
+              <a:t>6/2/17</a:t>
             </a:fld>
             <a:endParaRPr lang="en-US" dirty="0"/>
           </a:p>
@@ -5103,7 +5103,7 @@
           <a:p>
             <a:fld id="{48A87A34-81AB-432B-8DAE-1953F412C126}" type="datetimeFigureOut">
               <a:rPr lang="en-US" dirty="0"/>
-              <a:t>4/21/17</a:t>
+              <a:t>6/2/17</a:t>
             </a:fld>
             <a:endParaRPr lang="en-US" dirty="0"/>
           </a:p>
@@ -5532,7 +5532,7 @@
           <a:p>
             <a:fld id="{48A87A34-81AB-432B-8DAE-1953F412C126}" type="datetimeFigureOut">
               <a:rPr lang="en-US" dirty="0"/>
-              <a:t>4/21/17</a:t>
+              <a:t>6/2/17</a:t>
             </a:fld>
             <a:endParaRPr lang="en-US" dirty="0"/>
           </a:p>
@@ -6073,7 +6073,7 @@
           <a:p>
             <a:fld id="{48A87A34-81AB-432B-8DAE-1953F412C126}" type="datetimeFigureOut">
               <a:rPr lang="en-US" dirty="0"/>
-              <a:t>4/21/17</a:t>
+              <a:t>6/2/17</a:t>
             </a:fld>
             <a:endParaRPr lang="en-US" dirty="0"/>
           </a:p>
@@ -6788,7 +6788,7 @@
           <a:p>
             <a:fld id="{48A87A34-81AB-432B-8DAE-1953F412C126}" type="datetimeFigureOut">
               <a:rPr lang="en-US" dirty="0"/>
-              <a:t>4/21/17</a:t>
+              <a:t>6/2/17</a:t>
             </a:fld>
             <a:endParaRPr lang="en-US" dirty="0"/>
           </a:p>
@@ -6953,7 +6953,7 @@
           <a:p>
             <a:fld id="{48A87A34-81AB-432B-8DAE-1953F412C126}" type="datetimeFigureOut">
               <a:rPr lang="en-US" dirty="0"/>
-              <a:t>4/21/17</a:t>
+              <a:t>6/2/17</a:t>
             </a:fld>
             <a:endParaRPr lang="en-US" dirty="0"/>
           </a:p>
@@ -7128,7 +7128,7 @@
           <a:p>
             <a:fld id="{48A87A34-81AB-432B-8DAE-1953F412C126}" type="datetimeFigureOut">
               <a:rPr lang="en-US" dirty="0"/>
-              <a:t>4/21/17</a:t>
+              <a:t>6/2/17</a:t>
             </a:fld>
             <a:endParaRPr lang="en-US" dirty="0"/>
           </a:p>
@@ -7293,7 +7293,7 @@
           <a:p>
             <a:fld id="{48A87A34-81AB-432B-8DAE-1953F412C126}" type="datetimeFigureOut">
               <a:rPr lang="en-US" dirty="0"/>
-              <a:t>4/21/17</a:t>
+              <a:t>6/2/17</a:t>
             </a:fld>
             <a:endParaRPr lang="en-US" dirty="0"/>
           </a:p>
@@ -7538,7 +7538,7 @@
           <a:p>
             <a:fld id="{48A87A34-81AB-432B-8DAE-1953F412C126}" type="datetimeFigureOut">
               <a:rPr lang="en-US" dirty="0"/>
-              <a:t>4/21/17</a:t>
+              <a:t>6/2/17</a:t>
             </a:fld>
             <a:endParaRPr lang="en-US" dirty="0"/>
           </a:p>
@@ -7765,7 +7765,7 @@
           <a:p>
             <a:fld id="{48A87A34-81AB-432B-8DAE-1953F412C126}" type="datetimeFigureOut">
               <a:rPr lang="en-US" dirty="0"/>
-              <a:t>4/21/17</a:t>
+              <a:t>6/2/17</a:t>
             </a:fld>
             <a:endParaRPr lang="en-US" dirty="0"/>
           </a:p>
@@ -8141,7 +8141,7 @@
           <a:p>
             <a:fld id="{48A87A34-81AB-432B-8DAE-1953F412C126}" type="datetimeFigureOut">
               <a:rPr lang="en-US" dirty="0"/>
-              <a:t>4/21/17</a:t>
+              <a:t>6/2/17</a:t>
             </a:fld>
             <a:endParaRPr lang="en-US" dirty="0"/>
           </a:p>
@@ -8254,7 +8254,7 @@
           <a:p>
             <a:fld id="{48A87A34-81AB-432B-8DAE-1953F412C126}" type="datetimeFigureOut">
               <a:rPr lang="en-US" dirty="0"/>
-              <a:t>4/21/17</a:t>
+              <a:t>6/2/17</a:t>
             </a:fld>
             <a:endParaRPr lang="en-US" dirty="0"/>
           </a:p>
@@ -8344,7 +8344,7 @@
           <a:p>
             <a:fld id="{48A87A34-81AB-432B-8DAE-1953F412C126}" type="datetimeFigureOut">
               <a:rPr lang="en-US" dirty="0"/>
-              <a:t>4/21/17</a:t>
+              <a:t>6/2/17</a:t>
             </a:fld>
             <a:endParaRPr lang="en-US" dirty="0"/>
           </a:p>
@@ -8588,7 +8588,7 @@
           <a:p>
             <a:fld id="{48A87A34-81AB-432B-8DAE-1953F412C126}" type="datetimeFigureOut">
               <a:rPr lang="en-US" dirty="0"/>
-              <a:t>4/21/17</a:t>
+              <a:t>6/2/17</a:t>
             </a:fld>
             <a:endParaRPr lang="en-US" dirty="0"/>
           </a:p>
@@ -8863,7 +8863,7 @@
           <a:p>
             <a:fld id="{48A87A34-81AB-432B-8DAE-1953F412C126}" type="datetimeFigureOut">
               <a:rPr lang="en-US" dirty="0"/>
-              <a:t>4/21/17</a:t>
+              <a:t>6/2/17</a:t>
             </a:fld>
             <a:endParaRPr lang="en-US" dirty="0"/>
           </a:p>
@@ -8974,7 +8974,7 @@
           <a:noFill/>
           <a:extLst>
             <a:ext uri="{909E8E84-426E-40dd-AFC4-6F175D3DCCD1}">
-              <a14:hiddenFill xmlns:a14="http://schemas.microsoft.com/office/drawing/2010/main" xmlns="">
+              <a14:hiddenFill xmlns="" xmlns:a14="http://schemas.microsoft.com/office/drawing/2010/main">
                 <a:solidFill>
                   <a:srgbClr val="FFFFFF"/>
                 </a:solidFill>
@@ -9048,7 +9048,7 @@
               </a:ln>
               <a:extLst>
                 <a:ext uri="{91240B29-F687-4f45-9708-019B960494DF}">
-                  <a14:hiddenLine xmlns:a14="http://schemas.microsoft.com/office/drawing/2010/main" xmlns="" w="9525">
+                  <a14:hiddenLine xmlns="" xmlns:a14="http://schemas.microsoft.com/office/drawing/2010/main" w="9525">
                     <a:solidFill>
                       <a:srgbClr val="000000"/>
                     </a:solidFill>
@@ -9138,7 +9138,7 @@
               </a:ln>
               <a:extLst>
                 <a:ext uri="{91240B29-F687-4f45-9708-019B960494DF}">
-                  <a14:hiddenLine xmlns:a14="http://schemas.microsoft.com/office/drawing/2010/main" xmlns="" w="9525">
+                  <a14:hiddenLine xmlns="" xmlns:a14="http://schemas.microsoft.com/office/drawing/2010/main" w="9525">
                     <a:solidFill>
                       <a:srgbClr val="000000"/>
                     </a:solidFill>
@@ -9228,7 +9228,7 @@
               </a:ln>
               <a:extLst>
                 <a:ext uri="{91240B29-F687-4f45-9708-019B960494DF}">
-                  <a14:hiddenLine xmlns:a14="http://schemas.microsoft.com/office/drawing/2010/main" xmlns="" w="9525">
+                  <a14:hiddenLine xmlns="" xmlns:a14="http://schemas.microsoft.com/office/drawing/2010/main" w="9525">
                     <a:solidFill>
                       <a:srgbClr val="000000"/>
                     </a:solidFill>
@@ -9290,7 +9290,7 @@
               </a:ln>
               <a:extLst>
                 <a:ext uri="{91240B29-F687-4f45-9708-019B960494DF}">
-                  <a14:hiddenLine xmlns:a14="http://schemas.microsoft.com/office/drawing/2010/main" xmlns="" w="9525">
+                  <a14:hiddenLine xmlns="" xmlns:a14="http://schemas.microsoft.com/office/drawing/2010/main" w="9525">
                     <a:solidFill>
                       <a:srgbClr val="000000"/>
                     </a:solidFill>
@@ -9380,7 +9380,7 @@
               </a:ln>
               <a:extLst>
                 <a:ext uri="{91240B29-F687-4f45-9708-019B960494DF}">
-                  <a14:hiddenLine xmlns:a14="http://schemas.microsoft.com/office/drawing/2010/main" xmlns="" w="9525">
+                  <a14:hiddenLine xmlns="" xmlns:a14="http://schemas.microsoft.com/office/drawing/2010/main" w="9525">
                     <a:solidFill>
                       <a:srgbClr val="000000"/>
                     </a:solidFill>
@@ -9442,7 +9442,7 @@
               </a:ln>
               <a:extLst>
                 <a:ext uri="{91240B29-F687-4f45-9708-019B960494DF}">
-                  <a14:hiddenLine xmlns:a14="http://schemas.microsoft.com/office/drawing/2010/main" xmlns="" w="9525">
+                  <a14:hiddenLine xmlns="" xmlns:a14="http://schemas.microsoft.com/office/drawing/2010/main" w="9525">
                     <a:solidFill>
                       <a:srgbClr val="000000"/>
                     </a:solidFill>
@@ -9504,7 +9504,7 @@
               </a:ln>
               <a:extLst>
                 <a:ext uri="{91240B29-F687-4f45-9708-019B960494DF}">
-                  <a14:hiddenLine xmlns:a14="http://schemas.microsoft.com/office/drawing/2010/main" xmlns="" w="9525">
+                  <a14:hiddenLine xmlns="" xmlns:a14="http://schemas.microsoft.com/office/drawing/2010/main" w="9525">
                     <a:solidFill>
                       <a:srgbClr val="000000"/>
                     </a:solidFill>
@@ -9594,7 +9594,7 @@
               </a:ln>
               <a:extLst>
                 <a:ext uri="{91240B29-F687-4f45-9708-019B960494DF}">
-                  <a14:hiddenLine xmlns:a14="http://schemas.microsoft.com/office/drawing/2010/main" xmlns="" w="9525">
+                  <a14:hiddenLine xmlns="" xmlns:a14="http://schemas.microsoft.com/office/drawing/2010/main" w="9525">
                     <a:solidFill>
                       <a:srgbClr val="000000"/>
                     </a:solidFill>
@@ -9684,7 +9684,7 @@
               </a:ln>
               <a:extLst>
                 <a:ext uri="{91240B29-F687-4f45-9708-019B960494DF}">
-                  <a14:hiddenLine xmlns:a14="http://schemas.microsoft.com/office/drawing/2010/main" xmlns="" w="9525">
+                  <a14:hiddenLine xmlns="" xmlns:a14="http://schemas.microsoft.com/office/drawing/2010/main" w="9525">
                     <a:solidFill>
                       <a:srgbClr val="000000"/>
                     </a:solidFill>
@@ -9746,7 +9746,7 @@
               </a:ln>
               <a:extLst>
                 <a:ext uri="{91240B29-F687-4f45-9708-019B960494DF}">
-                  <a14:hiddenLine xmlns:a14="http://schemas.microsoft.com/office/drawing/2010/main" xmlns="" w="9525">
+                  <a14:hiddenLine xmlns="" xmlns:a14="http://schemas.microsoft.com/office/drawing/2010/main" w="9525">
                     <a:solidFill>
                       <a:srgbClr val="000000"/>
                     </a:solidFill>
@@ -9856,7 +9856,7 @@
               </a:ln>
               <a:extLst>
                 <a:ext uri="{91240B29-F687-4f45-9708-019B960494DF}">
-                  <a14:hiddenLine xmlns:a14="http://schemas.microsoft.com/office/drawing/2010/main" xmlns="" w="9525">
+                  <a14:hiddenLine xmlns="" xmlns:a14="http://schemas.microsoft.com/office/drawing/2010/main" w="9525">
                     <a:solidFill>
                       <a:srgbClr val="000000"/>
                     </a:solidFill>
@@ -9940,7 +9940,7 @@
               </a:ln>
               <a:extLst>
                 <a:ext uri="{91240B29-F687-4f45-9708-019B960494DF}">
-                  <a14:hiddenLine xmlns:a14="http://schemas.microsoft.com/office/drawing/2010/main" xmlns="" w="9525">
+                  <a14:hiddenLine xmlns="" xmlns:a14="http://schemas.microsoft.com/office/drawing/2010/main" w="9525">
                     <a:solidFill>
                       <a:srgbClr val="000000"/>
                     </a:solidFill>
@@ -10002,7 +10002,7 @@
               </a:ln>
               <a:extLst>
                 <a:ext uri="{91240B29-F687-4f45-9708-019B960494DF}">
-                  <a14:hiddenLine xmlns:a14="http://schemas.microsoft.com/office/drawing/2010/main" xmlns="" w="9525">
+                  <a14:hiddenLine xmlns="" xmlns:a14="http://schemas.microsoft.com/office/drawing/2010/main" w="9525">
                     <a:solidFill>
                       <a:srgbClr val="000000"/>
                     </a:solidFill>
@@ -10064,7 +10064,7 @@
               </a:ln>
               <a:extLst>
                 <a:ext uri="{91240B29-F687-4f45-9708-019B960494DF}">
-                  <a14:hiddenLine xmlns:a14="http://schemas.microsoft.com/office/drawing/2010/main" xmlns="" w="9525">
+                  <a14:hiddenLine xmlns="" xmlns:a14="http://schemas.microsoft.com/office/drawing/2010/main" w="9525">
                     <a:solidFill>
                       <a:srgbClr val="000000"/>
                     </a:solidFill>
@@ -10154,7 +10154,7 @@
               </a:ln>
               <a:extLst>
                 <a:ext uri="{91240B29-F687-4f45-9708-019B960494DF}">
-                  <a14:hiddenLine xmlns:a14="http://schemas.microsoft.com/office/drawing/2010/main" xmlns="" w="9525">
+                  <a14:hiddenLine xmlns="" xmlns:a14="http://schemas.microsoft.com/office/drawing/2010/main" w="9525">
                     <a:solidFill>
                       <a:srgbClr val="000000"/>
                     </a:solidFill>
@@ -10188,7 +10188,7 @@
               </a:ln>
               <a:extLst>
                 <a:ext uri="{91240B29-F687-4f45-9708-019B960494DF}">
-                  <a14:hiddenLine xmlns:a14="http://schemas.microsoft.com/office/drawing/2010/main" xmlns="" w="9525">
+                  <a14:hiddenLine xmlns="" xmlns:a14="http://schemas.microsoft.com/office/drawing/2010/main" w="9525">
                     <a:solidFill>
                       <a:srgbClr val="000000"/>
                     </a:solidFill>
@@ -10253,7 +10253,7 @@
               </a:ln>
               <a:extLst>
                 <a:ext uri="{91240B29-F687-4f45-9708-019B960494DF}">
-                  <a14:hiddenLine xmlns:a14="http://schemas.microsoft.com/office/drawing/2010/main" xmlns="" w="9525">
+                  <a14:hiddenLine xmlns="" xmlns:a14="http://schemas.microsoft.com/office/drawing/2010/main" w="9525">
                     <a:solidFill>
                       <a:srgbClr val="000000"/>
                     </a:solidFill>
@@ -10343,7 +10343,7 @@
               </a:ln>
               <a:extLst>
                 <a:ext uri="{91240B29-F687-4f45-9708-019B960494DF}">
-                  <a14:hiddenLine xmlns:a14="http://schemas.microsoft.com/office/drawing/2010/main" xmlns="" w="9525">
+                  <a14:hiddenLine xmlns="" xmlns:a14="http://schemas.microsoft.com/office/drawing/2010/main" w="9525">
                     <a:solidFill>
                       <a:srgbClr val="000000"/>
                     </a:solidFill>
@@ -10405,7 +10405,7 @@
               </a:ln>
               <a:extLst>
                 <a:ext uri="{91240B29-F687-4f45-9708-019B960494DF}">
-                  <a14:hiddenLine xmlns:a14="http://schemas.microsoft.com/office/drawing/2010/main" xmlns="" w="9525">
+                  <a14:hiddenLine xmlns="" xmlns:a14="http://schemas.microsoft.com/office/drawing/2010/main" w="9525">
                     <a:solidFill>
                       <a:srgbClr val="000000"/>
                     </a:solidFill>
@@ -10495,7 +10495,7 @@
               </a:ln>
               <a:extLst>
                 <a:ext uri="{91240B29-F687-4f45-9708-019B960494DF}">
-                  <a14:hiddenLine xmlns:a14="http://schemas.microsoft.com/office/drawing/2010/main" xmlns="" w="9525">
+                  <a14:hiddenLine xmlns="" xmlns:a14="http://schemas.microsoft.com/office/drawing/2010/main" w="9525">
                     <a:solidFill>
                       <a:srgbClr val="000000"/>
                     </a:solidFill>
@@ -10560,7 +10560,7 @@
               </a:ln>
               <a:extLst>
                 <a:ext uri="{91240B29-F687-4f45-9708-019B960494DF}">
-                  <a14:hiddenLine xmlns:a14="http://schemas.microsoft.com/office/drawing/2010/main" xmlns="" w="9525">
+                  <a14:hiddenLine xmlns="" xmlns:a14="http://schemas.microsoft.com/office/drawing/2010/main" w="9525">
                     <a:solidFill>
                       <a:srgbClr val="000000"/>
                     </a:solidFill>
@@ -10622,7 +10622,7 @@
               </a:ln>
               <a:extLst>
                 <a:ext uri="{91240B29-F687-4f45-9708-019B960494DF}">
-                  <a14:hiddenLine xmlns:a14="http://schemas.microsoft.com/office/drawing/2010/main" xmlns="" w="9525">
+                  <a14:hiddenLine xmlns="" xmlns:a14="http://schemas.microsoft.com/office/drawing/2010/main" w="9525">
                     <a:solidFill>
                       <a:srgbClr val="000000"/>
                     </a:solidFill>
@@ -10712,7 +10712,7 @@
               </a:ln>
               <a:extLst>
                 <a:ext uri="{91240B29-F687-4f45-9708-019B960494DF}">
-                  <a14:hiddenLine xmlns:a14="http://schemas.microsoft.com/office/drawing/2010/main" xmlns="" w="9525">
+                  <a14:hiddenLine xmlns="" xmlns:a14="http://schemas.microsoft.com/office/drawing/2010/main" w="9525">
                     <a:solidFill>
                       <a:srgbClr val="000000"/>
                     </a:solidFill>
@@ -10802,7 +10802,7 @@
               </a:ln>
               <a:extLst>
                 <a:ext uri="{91240B29-F687-4f45-9708-019B960494DF}">
-                  <a14:hiddenLine xmlns:a14="http://schemas.microsoft.com/office/drawing/2010/main" xmlns="" w="9525">
+                  <a14:hiddenLine xmlns="" xmlns:a14="http://schemas.microsoft.com/office/drawing/2010/main" w="9525">
                     <a:solidFill>
                       <a:srgbClr val="000000"/>
                     </a:solidFill>
@@ -10867,7 +10867,7 @@
               </a:ln>
               <a:extLst>
                 <a:ext uri="{91240B29-F687-4f45-9708-019B960494DF}">
-                  <a14:hiddenLine xmlns:a14="http://schemas.microsoft.com/office/drawing/2010/main" xmlns="" w="9525">
+                  <a14:hiddenLine xmlns="" xmlns:a14="http://schemas.microsoft.com/office/drawing/2010/main" w="9525">
                     <a:solidFill>
                       <a:srgbClr val="000000"/>
                     </a:solidFill>
@@ -10987,7 +10987,7 @@
               </a:ln>
               <a:extLst>
                 <a:ext uri="{91240B29-F687-4f45-9708-019B960494DF}">
-                  <a14:hiddenLine xmlns:a14="http://schemas.microsoft.com/office/drawing/2010/main" xmlns="" w="9525">
+                  <a14:hiddenLine xmlns="" xmlns:a14="http://schemas.microsoft.com/office/drawing/2010/main" w="9525">
                     <a:solidFill>
                       <a:srgbClr val="000000"/>
                     </a:solidFill>
@@ -11085,7 +11085,7 @@
               </a:ln>
               <a:extLst>
                 <a:ext uri="{91240B29-F687-4f45-9708-019B960494DF}">
-                  <a14:hiddenLine xmlns:a14="http://schemas.microsoft.com/office/drawing/2010/main" xmlns="" w="9525">
+                  <a14:hiddenLine xmlns="" xmlns:a14="http://schemas.microsoft.com/office/drawing/2010/main" w="9525">
                     <a:solidFill>
                       <a:srgbClr val="000000"/>
                     </a:solidFill>
@@ -11200,7 +11200,7 @@
               </a:ln>
               <a:extLst>
                 <a:ext uri="{91240B29-F687-4f45-9708-019B960494DF}">
-                  <a14:hiddenLine xmlns:a14="http://schemas.microsoft.com/office/drawing/2010/main" xmlns="" w="9525">
+                  <a14:hiddenLine xmlns="" xmlns:a14="http://schemas.microsoft.com/office/drawing/2010/main" w="9525">
                     <a:solidFill>
                       <a:srgbClr val="000000"/>
                     </a:solidFill>
@@ -11290,7 +11290,7 @@
               </a:ln>
               <a:extLst>
                 <a:ext uri="{91240B29-F687-4f45-9708-019B960494DF}">
-                  <a14:hiddenLine xmlns:a14="http://schemas.microsoft.com/office/drawing/2010/main" xmlns="" w="9525">
+                  <a14:hiddenLine xmlns="" xmlns:a14="http://schemas.microsoft.com/office/drawing/2010/main" w="9525">
                     <a:solidFill>
                       <a:srgbClr val="000000"/>
                     </a:solidFill>
@@ -11355,7 +11355,7 @@
               </a:ln>
               <a:extLst>
                 <a:ext uri="{91240B29-F687-4f45-9708-019B960494DF}">
-                  <a14:hiddenLine xmlns:a14="http://schemas.microsoft.com/office/drawing/2010/main" xmlns="" w="9525">
+                  <a14:hiddenLine xmlns="" xmlns:a14="http://schemas.microsoft.com/office/drawing/2010/main" w="9525">
                     <a:solidFill>
                       <a:srgbClr val="000000"/>
                     </a:solidFill>
@@ -11445,7 +11445,7 @@
               </a:ln>
               <a:extLst>
                 <a:ext uri="{91240B29-F687-4f45-9708-019B960494DF}">
-                  <a14:hiddenLine xmlns:a14="http://schemas.microsoft.com/office/drawing/2010/main" xmlns="" w="9525">
+                  <a14:hiddenLine xmlns="" xmlns:a14="http://schemas.microsoft.com/office/drawing/2010/main" w="9525">
                     <a:solidFill>
                       <a:srgbClr val="000000"/>
                     </a:solidFill>
@@ -11513,7 +11513,7 @@
               </a:ln>
               <a:extLst>
                 <a:ext uri="{91240B29-F687-4f45-9708-019B960494DF}">
-                  <a14:hiddenLine xmlns:a14="http://schemas.microsoft.com/office/drawing/2010/main" xmlns="" w="9525">
+                  <a14:hiddenLine xmlns="" xmlns:a14="http://schemas.microsoft.com/office/drawing/2010/main" w="9525">
                     <a:solidFill>
                       <a:srgbClr val="000000"/>
                     </a:solidFill>
@@ -11603,7 +11603,7 @@
               </a:ln>
               <a:extLst>
                 <a:ext uri="{91240B29-F687-4f45-9708-019B960494DF}">
-                  <a14:hiddenLine xmlns:a14="http://schemas.microsoft.com/office/drawing/2010/main" xmlns="" w="9525">
+                  <a14:hiddenLine xmlns="" xmlns:a14="http://schemas.microsoft.com/office/drawing/2010/main" w="9525">
                     <a:solidFill>
                       <a:srgbClr val="000000"/>
                     </a:solidFill>
@@ -11671,7 +11671,7 @@
               </a:ln>
               <a:extLst>
                 <a:ext uri="{91240B29-F687-4f45-9708-019B960494DF}">
-                  <a14:hiddenLine xmlns:a14="http://schemas.microsoft.com/office/drawing/2010/main" xmlns="" w="9525">
+                  <a14:hiddenLine xmlns="" xmlns:a14="http://schemas.microsoft.com/office/drawing/2010/main" w="9525">
                     <a:solidFill>
                       <a:srgbClr val="000000"/>
                     </a:solidFill>
@@ -11761,7 +11761,7 @@
               </a:ln>
               <a:extLst>
                 <a:ext uri="{91240B29-F687-4f45-9708-019B960494DF}">
-                  <a14:hiddenLine xmlns:a14="http://schemas.microsoft.com/office/drawing/2010/main" xmlns="" w="9525">
+                  <a14:hiddenLine xmlns="" xmlns:a14="http://schemas.microsoft.com/office/drawing/2010/main" w="9525">
                     <a:solidFill>
                       <a:srgbClr val="000000"/>
                     </a:solidFill>
@@ -11795,7 +11795,7 @@
               </a:ln>
               <a:extLst>
                 <a:ext uri="{91240B29-F687-4f45-9708-019B960494DF}">
-                  <a14:hiddenLine xmlns:a14="http://schemas.microsoft.com/office/drawing/2010/main" xmlns="" w="9525">
+                  <a14:hiddenLine xmlns="" xmlns:a14="http://schemas.microsoft.com/office/drawing/2010/main" w="9525">
                     <a:solidFill>
                       <a:srgbClr val="000000"/>
                     </a:solidFill>
@@ -11936,7 +11936,7 @@
             <a:fld id="{48A87A34-81AB-432B-8DAE-1953F412C126}" type="datetimeFigureOut">
               <a:rPr lang="en-US" dirty="0"/>
               <a:pPr/>
-              <a:t>4/21/17</a:t>
+              <a:t>6/2/17</a:t>
             </a:fld>
             <a:endParaRPr lang="en-US" dirty="0"/>
           </a:p>
@@ -12780,28 +12780,22 @@
       </p:sp>
       <p:pic>
         <p:nvPicPr>
-          <p:cNvPr id="4" name="Picture 3"/>
+          <p:cNvPr id="6" name="Picture 5"/>
           <p:cNvPicPr>
             <a:picLocks noChangeAspect="1"/>
           </p:cNvPicPr>
           <p:nvPr/>
         </p:nvPicPr>
         <p:blipFill>
-          <a:blip r:embed="rId2">
-            <a:extLst>
-              <a:ext uri="{28A0092B-C50C-407E-A947-70E740481C1C}">
-                <a14:useLocalDpi xmlns:a14="http://schemas.microsoft.com/office/drawing/2010/main" val="0"/>
-              </a:ext>
-            </a:extLst>
-          </a:blip>
+          <a:blip r:embed="rId2"/>
           <a:stretch>
             <a:fillRect/>
           </a:stretch>
         </p:blipFill>
         <p:spPr>
           <a:xfrm>
-            <a:off x="1141413" y="2015835"/>
-            <a:ext cx="9994900" cy="4394200"/>
+            <a:off x="1588826" y="2530077"/>
+            <a:ext cx="8051800" cy="3606800"/>
           </a:xfrm>
           <a:prstGeom prst="rect">
             <a:avLst/>
@@ -12954,36 +12948,6 @@
           </a:prstGeom>
         </p:spPr>
       </p:pic>
-      <p:pic>
-        <p:nvPicPr>
-          <p:cNvPr id="5" name="Picture 4"/>
-          <p:cNvPicPr>
-            <a:picLocks noChangeAspect="1"/>
-          </p:cNvPicPr>
-          <p:nvPr/>
-        </p:nvPicPr>
-        <p:blipFill>
-          <a:blip r:embed="rId3">
-            <a:extLst>
-              <a:ext uri="{28A0092B-C50C-407E-A947-70E740481C1C}">
-                <a14:useLocalDpi xmlns:a14="http://schemas.microsoft.com/office/drawing/2010/main" val="0"/>
-              </a:ext>
-            </a:extLst>
-          </a:blip>
-          <a:stretch>
-            <a:fillRect/>
-          </a:stretch>
-        </p:blipFill>
-        <p:spPr>
-          <a:xfrm>
-            <a:off x="6833850" y="0"/>
-            <a:ext cx="3855697" cy="6858000"/>
-          </a:xfrm>
-          <a:prstGeom prst="rect">
-            <a:avLst/>
-          </a:prstGeom>
-        </p:spPr>
-      </p:pic>
       <p:sp>
         <p:nvSpPr>
           <p:cNvPr id="7" name="TextBox 6"/>
@@ -13038,6 +13002,34 @@
           </a:p>
         </p:txBody>
       </p:sp>
+      <p:pic>
+        <p:nvPicPr>
+          <p:cNvPr id="6" name="Picture 5"/>
+          <p:cNvPicPr/>
+          <p:nvPr/>
+        </p:nvPicPr>
+        <p:blipFill>
+          <a:blip r:embed="rId3">
+            <a:extLst>
+              <a:ext uri="{28A0092B-C50C-407E-A947-70E740481C1C}">
+                <a14:useLocalDpi xmlns:a14="http://schemas.microsoft.com/office/drawing/2010/main" val="0"/>
+              </a:ext>
+            </a:extLst>
+          </a:blip>
+          <a:stretch>
+            <a:fillRect/>
+          </a:stretch>
+        </p:blipFill>
+        <p:spPr>
+          <a:xfrm>
+            <a:off x="6670623" y="1"/>
+            <a:ext cx="4041212" cy="6857999"/>
+          </a:xfrm>
+          <a:prstGeom prst="rect">
+            <a:avLst/>
+          </a:prstGeom>
+        </p:spPr>
+      </p:pic>
       <p:sp>
         <p:nvSpPr>
           <p:cNvPr id="9" name="TextBox 8"/>
@@ -13142,7 +13134,7 @@
         <p:spPr/>
         <p:txBody>
           <a:bodyPr>
-            <a:normAutofit lnSpcReduction="10000"/>
+            <a:normAutofit/>
           </a:bodyPr>
           <a:lstStyle/>
           <a:p>
@@ -13174,40 +13166,11 @@
           <a:p>
             <a:r>
               <a:rPr lang="zh-CN" altLang="en-US" dirty="0" smtClean="0"/>
-              <a:t>软件的路线检测是检测的是 起点到终点的长方形区域</a:t>
-            </a:r>
-            <a:r>
-              <a:rPr lang="en-US" altLang="zh-CN" dirty="0" smtClean="0"/>
-              <a:t>(</a:t>
+              <a:t>有些</a:t>
             </a:r>
             <a:r>
               <a:rPr lang="zh-CN" altLang="en-US" dirty="0" smtClean="0"/>
-              <a:t>更高级的检测方式需要引入地图</a:t>
-            </a:r>
-            <a:r>
-              <a:rPr lang="en-US" altLang="zh-CN" dirty="0" smtClean="0"/>
-              <a:t>API</a:t>
-            </a:r>
-            <a:r>
-              <a:rPr lang="zh-CN" altLang="en-US" dirty="0" smtClean="0"/>
-              <a:t>，增大开发难度</a:t>
-            </a:r>
-            <a:r>
-              <a:rPr lang="en-US" altLang="zh-CN" dirty="0" smtClean="0"/>
-              <a:t>)</a:t>
-            </a:r>
-            <a:endParaRPr lang="zh-CN" altLang="en-US" dirty="0" smtClean="0"/>
-          </a:p>
-          <a:p>
-            <a:r>
-              <a:rPr lang="zh-CN" altLang="en-US" dirty="0" smtClean="0"/>
-              <a:t>没写测试用例</a:t>
-            </a:r>
-          </a:p>
-          <a:p>
-            <a:r>
-              <a:rPr lang="zh-CN" altLang="en-US" dirty="0" smtClean="0"/>
-              <a:t>有些地方的错误处理还未写</a:t>
+              <a:t>地方的错误处理还未写</a:t>
             </a:r>
             <a:endParaRPr lang="en-US" altLang="zh-CN" dirty="0" smtClean="0"/>
           </a:p>
